--- a/The Exam System - User Guide.pptx
+++ b/The Exam System - User Guide.pptx
@@ -5,10 +5,10 @@
     <p:sldMasterId id="2147483660" r:id="rId1"/>
   </p:sldMasterIdLst>
   <p:notesMasterIdLst>
-    <p:notesMasterId r:id="rId17"/>
+    <p:notesMasterId r:id="rId19"/>
   </p:notesMasterIdLst>
   <p:handoutMasterIdLst>
-    <p:handoutMasterId r:id="rId18"/>
+    <p:handoutMasterId r:id="rId20"/>
   </p:handoutMasterIdLst>
   <p:sldIdLst>
     <p:sldId id="327" r:id="rId2"/>
@@ -18,14 +18,16 @@
     <p:sldId id="345" r:id="rId6"/>
     <p:sldId id="346" r:id="rId7"/>
     <p:sldId id="366" r:id="rId8"/>
-    <p:sldId id="367" r:id="rId9"/>
-    <p:sldId id="369" r:id="rId10"/>
-    <p:sldId id="348" r:id="rId11"/>
-    <p:sldId id="349" r:id="rId12"/>
-    <p:sldId id="370" r:id="rId13"/>
-    <p:sldId id="310" r:id="rId14"/>
-    <p:sldId id="265" r:id="rId15"/>
-    <p:sldId id="339" r:id="rId16"/>
+    <p:sldId id="371" r:id="rId9"/>
+    <p:sldId id="367" r:id="rId10"/>
+    <p:sldId id="369" r:id="rId11"/>
+    <p:sldId id="348" r:id="rId12"/>
+    <p:sldId id="349" r:id="rId13"/>
+    <p:sldId id="370" r:id="rId14"/>
+    <p:sldId id="372" r:id="rId15"/>
+    <p:sldId id="310" r:id="rId16"/>
+    <p:sldId id="265" r:id="rId17"/>
+    <p:sldId id="339" r:id="rId18"/>
   </p:sldIdLst>
   <p:sldSz cx="9144000" cy="6858000" type="screen4x3"/>
   <p:notesSz cx="6858000" cy="9144000"/>
@@ -771,7 +773,7 @@
           </a:bodyPr>
           <a:lstStyle/>
           <a:p>
-            <a:endParaRPr lang="en-US"/>
+            <a:endParaRPr lang="en-US" dirty="0"/>
           </a:p>
         </p:txBody>
       </p:sp>
@@ -826,6 +828,39 @@
       </p:grpSpPr>
       <p:sp>
         <p:nvSpPr>
+          <p:cNvPr id="2" name="Slide Image Placeholder 1"/>
+          <p:cNvSpPr>
+            <a:spLocks noGrp="1" noRot="1" noChangeAspect="1"/>
+          </p:cNvSpPr>
+          <p:nvPr>
+            <p:ph type="sldImg"/>
+          </p:nvPr>
+        </p:nvSpPr>
+        <p:spPr/>
+      </p:sp>
+      <p:sp>
+        <p:nvSpPr>
+          <p:cNvPr id="3" name="Notes Placeholder 2"/>
+          <p:cNvSpPr>
+            <a:spLocks noGrp="1"/>
+          </p:cNvSpPr>
+          <p:nvPr>
+            <p:ph type="body" idx="1"/>
+          </p:nvPr>
+        </p:nvSpPr>
+        <p:spPr/>
+        <p:txBody>
+          <a:bodyPr>
+            <a:normAutofit/>
+          </a:bodyPr>
+          <a:lstStyle/>
+          <a:p>
+            <a:endParaRPr lang="en-US" dirty="0"/>
+          </a:p>
+        </p:txBody>
+      </p:sp>
+      <p:sp>
+        <p:nvSpPr>
           <p:cNvPr id="4" name="Slide Number Placeholder 3"/>
           <p:cNvSpPr>
             <a:spLocks noGrp="1"/>
@@ -844,39 +879,6 @@
               <a:pPr/>
               <a:t>14</a:t>
             </a:fld>
-            <a:endParaRPr lang="de-DE" dirty="0"/>
-          </a:p>
-        </p:txBody>
-      </p:sp>
-      <p:sp>
-        <p:nvSpPr>
-          <p:cNvPr id="15" name="Slide Image Placeholder 14"/>
-          <p:cNvSpPr>
-            <a:spLocks noGrp="1" noRot="1" noChangeAspect="1"/>
-          </p:cNvSpPr>
-          <p:nvPr>
-            <p:ph type="sldImg"/>
-          </p:nvPr>
-        </p:nvSpPr>
-        <p:spPr/>
-      </p:sp>
-      <p:sp>
-        <p:nvSpPr>
-          <p:cNvPr id="16" name="Notes Placeholder 15"/>
-          <p:cNvSpPr>
-            <a:spLocks noGrp="1"/>
-          </p:cNvSpPr>
-          <p:nvPr>
-            <p:ph type="body" idx="1"/>
-          </p:nvPr>
-        </p:nvSpPr>
-        <p:spPr/>
-        <p:txBody>
-          <a:bodyPr>
-            <a:normAutofit/>
-          </a:bodyPr>
-          <a:lstStyle/>
-          <a:p>
             <a:endParaRPr lang="de-DE" dirty="0"/>
           </a:p>
         </p:txBody>
@@ -971,6 +973,170 @@
 </p:notes>
 </file>
 
+<file path=ppt/notesSlides/notesSlide15.xml><?xml version="1.0" encoding="utf-8"?>
+<p:notes xmlns:a="http://schemas.openxmlformats.org/drawingml/2006/main" xmlns:r="http://schemas.openxmlformats.org/officeDocument/2006/relationships" xmlns:p="http://schemas.openxmlformats.org/presentationml/2006/main">
+  <p:cSld>
+    <p:spTree>
+      <p:nvGrpSpPr>
+        <p:cNvPr id="1" name=""/>
+        <p:cNvGrpSpPr/>
+        <p:nvPr/>
+      </p:nvGrpSpPr>
+      <p:grpSpPr>
+        <a:xfrm>
+          <a:off x="0" y="0"/>
+          <a:ext cx="0" cy="0"/>
+          <a:chOff x="0" y="0"/>
+          <a:chExt cx="0" cy="0"/>
+        </a:xfrm>
+      </p:grpSpPr>
+      <p:sp>
+        <p:nvSpPr>
+          <p:cNvPr id="4" name="Slide Number Placeholder 3"/>
+          <p:cNvSpPr>
+            <a:spLocks noGrp="1"/>
+          </p:cNvSpPr>
+          <p:nvPr>
+            <p:ph type="sldNum" sz="quarter" idx="10"/>
+          </p:nvPr>
+        </p:nvSpPr>
+        <p:spPr/>
+        <p:txBody>
+          <a:bodyPr/>
+          <a:lstStyle/>
+          <a:p>
+            <a:fld id="{7D8C2C35-2B8A-446E-BEC0-FD36716C29AC}" type="slidenum">
+              <a:rPr lang="de-DE" smtClean="0"/>
+              <a:pPr/>
+              <a:t>16</a:t>
+            </a:fld>
+            <a:endParaRPr lang="de-DE" dirty="0"/>
+          </a:p>
+        </p:txBody>
+      </p:sp>
+      <p:sp>
+        <p:nvSpPr>
+          <p:cNvPr id="15" name="Slide Image Placeholder 14"/>
+          <p:cNvSpPr>
+            <a:spLocks noGrp="1" noRot="1" noChangeAspect="1"/>
+          </p:cNvSpPr>
+          <p:nvPr>
+            <p:ph type="sldImg"/>
+          </p:nvPr>
+        </p:nvSpPr>
+        <p:spPr/>
+      </p:sp>
+      <p:sp>
+        <p:nvSpPr>
+          <p:cNvPr id="16" name="Notes Placeholder 15"/>
+          <p:cNvSpPr>
+            <a:spLocks noGrp="1"/>
+          </p:cNvSpPr>
+          <p:nvPr>
+            <p:ph type="body" idx="1"/>
+          </p:nvPr>
+        </p:nvSpPr>
+        <p:spPr/>
+        <p:txBody>
+          <a:bodyPr>
+            <a:normAutofit/>
+          </a:bodyPr>
+          <a:lstStyle/>
+          <a:p>
+            <a:endParaRPr lang="de-DE" dirty="0"/>
+          </a:p>
+        </p:txBody>
+      </p:sp>
+    </p:spTree>
+  </p:cSld>
+  <p:clrMapOvr>
+    <a:masterClrMapping/>
+  </p:clrMapOvr>
+</p:notes>
+</file>
+
+<file path=ppt/notesSlides/notesSlide16.xml><?xml version="1.0" encoding="utf-8"?>
+<p:notes xmlns:a="http://schemas.openxmlformats.org/drawingml/2006/main" xmlns:r="http://schemas.openxmlformats.org/officeDocument/2006/relationships" xmlns:p="http://schemas.openxmlformats.org/presentationml/2006/main">
+  <p:cSld>
+    <p:spTree>
+      <p:nvGrpSpPr>
+        <p:cNvPr id="1" name=""/>
+        <p:cNvGrpSpPr/>
+        <p:nvPr/>
+      </p:nvGrpSpPr>
+      <p:grpSpPr>
+        <a:xfrm>
+          <a:off x="0" y="0"/>
+          <a:ext cx="0" cy="0"/>
+          <a:chOff x="0" y="0"/>
+          <a:chExt cx="0" cy="0"/>
+        </a:xfrm>
+      </p:grpSpPr>
+      <p:sp>
+        <p:nvSpPr>
+          <p:cNvPr id="2" name="Slide Image Placeholder 1"/>
+          <p:cNvSpPr>
+            <a:spLocks noGrp="1" noRot="1" noChangeAspect="1"/>
+          </p:cNvSpPr>
+          <p:nvPr>
+            <p:ph type="sldImg"/>
+          </p:nvPr>
+        </p:nvSpPr>
+        <p:spPr/>
+      </p:sp>
+      <p:sp>
+        <p:nvSpPr>
+          <p:cNvPr id="3" name="Notes Placeholder 2"/>
+          <p:cNvSpPr>
+            <a:spLocks noGrp="1"/>
+          </p:cNvSpPr>
+          <p:nvPr>
+            <p:ph type="body" idx="1"/>
+          </p:nvPr>
+        </p:nvSpPr>
+        <p:spPr/>
+        <p:txBody>
+          <a:bodyPr>
+            <a:normAutofit/>
+          </a:bodyPr>
+          <a:lstStyle/>
+          <a:p>
+            <a:endParaRPr lang="en-US"/>
+          </a:p>
+        </p:txBody>
+      </p:sp>
+      <p:sp>
+        <p:nvSpPr>
+          <p:cNvPr id="4" name="Slide Number Placeholder 3"/>
+          <p:cNvSpPr>
+            <a:spLocks noGrp="1"/>
+          </p:cNvSpPr>
+          <p:nvPr>
+            <p:ph type="sldNum" sz="quarter" idx="10"/>
+          </p:nvPr>
+        </p:nvSpPr>
+        <p:spPr/>
+        <p:txBody>
+          <a:bodyPr/>
+          <a:lstStyle/>
+          <a:p>
+            <a:fld id="{7D8C2C35-2B8A-446E-BEC0-FD36716C29AC}" type="slidenum">
+              <a:rPr lang="de-DE" smtClean="0"/>
+              <a:pPr/>
+              <a:t>17</a:t>
+            </a:fld>
+            <a:endParaRPr lang="de-DE" dirty="0"/>
+          </a:p>
+        </p:txBody>
+      </p:sp>
+    </p:spTree>
+  </p:cSld>
+  <p:clrMapOvr>
+    <a:masterClrMapping/>
+  </p:clrMapOvr>
+</p:notes>
+</file>
+
 <file path=ppt/notesSlides/notesSlide2.xml><?xml version="1.0" encoding="utf-8"?>
 <p:notes xmlns:a="http://schemas.openxmlformats.org/drawingml/2006/main" xmlns:r="http://schemas.openxmlformats.org/officeDocument/2006/relationships" xmlns:p="http://schemas.openxmlformats.org/presentationml/2006/main">
   <p:cSld>
@@ -1591,7 +1757,7 @@
           </a:bodyPr>
           <a:lstStyle/>
           <a:p>
-            <a:endParaRPr lang="en-US"/>
+            <a:endParaRPr lang="en-US" dirty="0"/>
           </a:p>
         </p:txBody>
       </p:sp>
@@ -7114,10 +7280,6 @@
               <a:rPr lang="en-US" dirty="0" smtClean="0"/>
               <a:t>The Exam System – User Guide</a:t>
             </a:r>
-            <a:r>
-              <a:rPr lang="en-US" dirty="0" smtClean="0"/>
-              <a:t/>
-            </a:r>
             <a:br>
               <a:rPr lang="en-US" dirty="0" smtClean="0"/>
             </a:br>
@@ -7164,7 +7326,7 @@
               <a:buSzPct val="80000"/>
             </a:pPr>
             <a:r>
-              <a:rPr lang="en-US" sz="1600" kern="0" smtClean="0">
+              <a:rPr lang="en-US" sz="1600" kern="0" dirty="0" smtClean="0">
                 <a:solidFill>
                   <a:srgbClr val="000000"/>
                 </a:solidFill>
@@ -7173,13 +7335,6 @@
               </a:rPr>
               <a:t>Confidential</a:t>
             </a:r>
-            <a:endParaRPr lang="en-US" sz="1600" kern="0" dirty="0" err="1" smtClean="0">
-              <a:solidFill>
-                <a:srgbClr val="000000"/>
-              </a:solidFill>
-              <a:ea typeface="Arial Unicode MS" pitchFamily="34" charset="-128"/>
-              <a:cs typeface="Arial Unicode MS" pitchFamily="34" charset="-128"/>
-            </a:endParaRPr>
           </a:p>
         </p:txBody>
       </p:sp>
@@ -7222,7 +7377,7 @@
             <a:spLocks noGrp="1"/>
           </p:cNvSpPr>
           <p:nvPr>
-            <p:ph type="ctrTitle"/>
+            <p:ph type="title"/>
           </p:nvPr>
         </p:nvSpPr>
         <p:spPr/>
@@ -7232,9 +7387,9 @@
           <a:p>
             <a:r>
               <a:rPr lang="en-US" dirty="0" smtClean="0"/>
-              <a:t>User Page</a:t>
-            </a:r>
-            <a:endParaRPr lang="en-US" dirty="0"/>
+              <a:t>Big Edits</a:t>
+            </a:r>
+            <a:endParaRPr lang="en-US" sz="2000" b="0" dirty="0"/>
           </a:p>
         </p:txBody>
       </p:sp>
@@ -7248,25 +7403,369 @@
             <p:ph type="body" sz="quarter" idx="10"/>
           </p:nvPr>
         </p:nvSpPr>
-        <p:spPr/>
+        <p:spPr>
+          <a:xfrm>
+            <a:off x="324000" y="1690687"/>
+            <a:ext cx="8461077" cy="958509"/>
+          </a:xfrm>
+        </p:spPr>
         <p:txBody>
           <a:bodyPr/>
           <a:lstStyle/>
           <a:p>
-            <a:endParaRPr lang="en-US" dirty="0"/>
+            <a:pPr lvl="0"/>
+            <a:r>
+              <a:rPr lang="en-US" dirty="0" smtClean="0"/>
+              <a:t>If you require to do an a larger edit to a particular question/answer, you can the actual editor panel to so.</a:t>
+            </a:r>
+          </a:p>
+        </p:txBody>
+      </p:sp>
+      <p:sp>
+        <p:nvSpPr>
+          <p:cNvPr id="14" name="TextBox 13"/>
+          <p:cNvSpPr txBox="1"/>
+          <p:nvPr/>
+        </p:nvSpPr>
+        <p:spPr>
+          <a:xfrm>
+            <a:off x="4930924" y="2492334"/>
+            <a:ext cx="3136306" cy="1800493"/>
+          </a:xfrm>
+          <a:prstGeom prst="rect">
+            <a:avLst/>
+          </a:prstGeom>
+          <a:noFill/>
+        </p:spPr>
+        <p:txBody>
+          <a:bodyPr wrap="square" lIns="0" tIns="0" rIns="0" bIns="0" rtlCol="0">
+            <a:spAutoFit/>
+          </a:bodyPr>
+          <a:lstStyle/>
+          <a:p>
+            <a:pPr marL="285750" indent="-285750" fontAlgn="base">
+              <a:spcBef>
+                <a:spcPct val="50000"/>
+              </a:spcBef>
+              <a:spcAft>
+                <a:spcPct val="0"/>
+              </a:spcAft>
+              <a:buClr>
+                <a:srgbClr val="F0AB00"/>
+              </a:buClr>
+              <a:buSzPct val="80000"/>
+              <a:buFont typeface="Arial" pitchFamily="34" charset="0"/>
+              <a:buChar char="•"/>
+            </a:pPr>
+            <a:r>
+              <a:rPr lang="en-US" kern="0" dirty="0" smtClean="0">
+                <a:ea typeface="Arial Unicode MS" pitchFamily="34" charset="-128"/>
+                <a:cs typeface="Arial Unicode MS" pitchFamily="34" charset="-128"/>
+              </a:rPr>
+              <a:t>Select the type of entity you wish to edit</a:t>
+            </a:r>
+          </a:p>
+          <a:p>
+            <a:pPr marL="285750" indent="-285750" fontAlgn="base">
+              <a:spcBef>
+                <a:spcPct val="50000"/>
+              </a:spcBef>
+              <a:spcAft>
+                <a:spcPct val="0"/>
+              </a:spcAft>
+              <a:buClr>
+                <a:srgbClr val="F0AB00"/>
+              </a:buClr>
+              <a:buSzPct val="80000"/>
+              <a:buFont typeface="Arial" pitchFamily="34" charset="0"/>
+              <a:buChar char="•"/>
+            </a:pPr>
+            <a:r>
+              <a:rPr lang="en-US" kern="0" dirty="0" smtClean="0">
+                <a:ea typeface="Arial Unicode MS" pitchFamily="34" charset="-128"/>
+                <a:cs typeface="Arial Unicode MS" pitchFamily="34" charset="-128"/>
+              </a:rPr>
+              <a:t>Select the actual entity</a:t>
+            </a:r>
+          </a:p>
+          <a:p>
+            <a:pPr marL="285750" indent="-285750" fontAlgn="base">
+              <a:spcBef>
+                <a:spcPct val="50000"/>
+              </a:spcBef>
+              <a:spcAft>
+                <a:spcPct val="0"/>
+              </a:spcAft>
+              <a:buClr>
+                <a:srgbClr val="F0AB00"/>
+              </a:buClr>
+              <a:buSzPct val="80000"/>
+              <a:buFont typeface="Arial" pitchFamily="34" charset="0"/>
+              <a:buChar char="•"/>
+            </a:pPr>
+            <a:r>
+              <a:rPr lang="en-US" kern="0" dirty="0" smtClean="0">
+                <a:ea typeface="Arial Unicode MS" pitchFamily="34" charset="-128"/>
+                <a:cs typeface="Arial Unicode MS" pitchFamily="34" charset="-128"/>
+              </a:rPr>
+              <a:t>Edit away</a:t>
+            </a:r>
+          </a:p>
+          <a:p>
+            <a:pPr marL="285750" indent="-285750" fontAlgn="base">
+              <a:spcBef>
+                <a:spcPct val="50000"/>
+              </a:spcBef>
+              <a:spcAft>
+                <a:spcPct val="0"/>
+              </a:spcAft>
+              <a:buClr>
+                <a:srgbClr val="F0AB00"/>
+              </a:buClr>
+              <a:buSzPct val="80000"/>
+              <a:buFont typeface="Arial" pitchFamily="34" charset="0"/>
+              <a:buChar char="•"/>
+            </a:pPr>
+            <a:endParaRPr lang="en-US" kern="0" dirty="0" smtClean="0">
+              <a:ea typeface="Arial Unicode MS" pitchFamily="34" charset="-128"/>
+              <a:cs typeface="Arial Unicode MS" pitchFamily="34" charset="-128"/>
+            </a:endParaRPr>
+          </a:p>
+        </p:txBody>
+      </p:sp>
+      <p:pic>
+        <p:nvPicPr>
+          <p:cNvPr id="5" name="Picture 4"/>
+          <p:cNvPicPr>
+            <a:picLocks noChangeAspect="1"/>
+          </p:cNvPicPr>
+          <p:nvPr/>
+        </p:nvPicPr>
+        <p:blipFill>
+          <a:blip r:embed="rId3">
+            <a:extLst>
+              <a:ext uri="{28A0092B-C50C-407E-A947-70E740481C1C}">
+                <a14:useLocalDpi xmlns:a14="http://schemas.microsoft.com/office/drawing/2010/main" val="0"/>
+              </a:ext>
+            </a:extLst>
+          </a:blip>
+          <a:stretch>
+            <a:fillRect/>
+          </a:stretch>
+        </p:blipFill>
+        <p:spPr>
+          <a:xfrm>
+            <a:off x="365403" y="2492334"/>
+            <a:ext cx="3787853" cy="1010993"/>
+          </a:xfrm>
+          <a:prstGeom prst="rect">
+            <a:avLst/>
+          </a:prstGeom>
+        </p:spPr>
+      </p:pic>
+      <p:sp>
+        <p:nvSpPr>
+          <p:cNvPr id="7" name="Left Arrow 6"/>
+          <p:cNvSpPr/>
+          <p:nvPr/>
+        </p:nvSpPr>
+        <p:spPr bwMode="gray">
+          <a:xfrm>
+            <a:off x="2623559" y="2845750"/>
+            <a:ext cx="743484" cy="213644"/>
+          </a:xfrm>
+          <a:prstGeom prst="leftArrow">
+            <a:avLst/>
+          </a:prstGeom>
+          <a:solidFill>
+            <a:schemeClr val="accent1"/>
+          </a:solidFill>
+          <a:ln w="6350" algn="ctr">
+            <a:noFill/>
+            <a:miter lim="800000"/>
+            <a:headEnd/>
+            <a:tailEnd/>
+          </a:ln>
+        </p:spPr>
+        <p:txBody>
+          <a:bodyPr lIns="90000" tIns="72000" rIns="90000" bIns="72000" rtlCol="0" anchor="ctr"/>
+          <a:lstStyle/>
+          <a:p>
+            <a:pPr marR="0" algn="ctr" defTabSz="914400" eaLnBrk="1" fontAlgn="base" latinLnBrk="0" hangingPunct="1">
+              <a:lnSpc>
+                <a:spcPct val="100000"/>
+              </a:lnSpc>
+              <a:spcBef>
+                <a:spcPct val="50000"/>
+              </a:spcBef>
+              <a:spcAft>
+                <a:spcPct val="0"/>
+              </a:spcAft>
+              <a:buClr>
+                <a:srgbClr val="F0AB00"/>
+              </a:buClr>
+              <a:buSzPct val="80000"/>
+              <a:tabLst/>
+            </a:pPr>
+            <a:endParaRPr kumimoji="0" lang="en-US" b="0" i="0" u="none" strike="noStrike" kern="0" cap="none" spc="0" normalizeH="0" baseline="0" noProof="0" dirty="0" smtClean="0">
+              <a:ln>
+                <a:noFill/>
+              </a:ln>
+              <a:effectLst/>
+              <a:uLnTx/>
+              <a:uFillTx/>
+              <a:ea typeface="Arial Unicode MS" pitchFamily="34" charset="-128"/>
+              <a:cs typeface="Arial Unicode MS" pitchFamily="34" charset="-128"/>
+            </a:endParaRPr>
+          </a:p>
+        </p:txBody>
+      </p:sp>
+      <p:pic>
+        <p:nvPicPr>
+          <p:cNvPr id="8" name="Picture 7"/>
+          <p:cNvPicPr>
+            <a:picLocks noChangeAspect="1"/>
+          </p:cNvPicPr>
+          <p:nvPr/>
+        </p:nvPicPr>
+        <p:blipFill>
+          <a:blip r:embed="rId4">
+            <a:extLst>
+              <a:ext uri="{28A0092B-C50C-407E-A947-70E740481C1C}">
+                <a14:useLocalDpi xmlns:a14="http://schemas.microsoft.com/office/drawing/2010/main" val="0"/>
+              </a:ext>
+            </a:extLst>
+          </a:blip>
+          <a:stretch>
+            <a:fillRect/>
+          </a:stretch>
+        </p:blipFill>
+        <p:spPr>
+          <a:xfrm>
+            <a:off x="365402" y="4130892"/>
+            <a:ext cx="2828389" cy="1874067"/>
+          </a:xfrm>
+          <a:prstGeom prst="rect">
+            <a:avLst/>
+          </a:prstGeom>
+        </p:spPr>
+      </p:pic>
+      <p:sp>
+        <p:nvSpPr>
+          <p:cNvPr id="9" name="Down Arrow 8"/>
+          <p:cNvSpPr/>
+          <p:nvPr/>
+        </p:nvSpPr>
+        <p:spPr bwMode="gray">
+          <a:xfrm>
+            <a:off x="1444239" y="3503327"/>
+            <a:ext cx="205099" cy="538834"/>
+          </a:xfrm>
+          <a:prstGeom prst="downArrow">
+            <a:avLst/>
+          </a:prstGeom>
+          <a:solidFill>
+            <a:schemeClr val="accent1"/>
+          </a:solidFill>
+          <a:ln w="6350" algn="ctr">
+            <a:noFill/>
+            <a:miter lim="800000"/>
+            <a:headEnd/>
+            <a:tailEnd/>
+          </a:ln>
+        </p:spPr>
+        <p:txBody>
+          <a:bodyPr lIns="90000" tIns="72000" rIns="90000" bIns="72000" rtlCol="0" anchor="ctr"/>
+          <a:lstStyle/>
+          <a:p>
+            <a:pPr marR="0" algn="ctr" defTabSz="914400" eaLnBrk="1" fontAlgn="base" latinLnBrk="0" hangingPunct="1">
+              <a:lnSpc>
+                <a:spcPct val="100000"/>
+              </a:lnSpc>
+              <a:spcBef>
+                <a:spcPct val="50000"/>
+              </a:spcBef>
+              <a:spcAft>
+                <a:spcPct val="0"/>
+              </a:spcAft>
+              <a:buClr>
+                <a:srgbClr val="F0AB00"/>
+              </a:buClr>
+              <a:buSzPct val="80000"/>
+              <a:tabLst/>
+            </a:pPr>
+            <a:endParaRPr kumimoji="0" lang="en-US" b="0" i="0" u="none" strike="noStrike" kern="0" cap="none" spc="0" normalizeH="0" baseline="0" noProof="0" dirty="0" smtClean="0">
+              <a:ln>
+                <a:noFill/>
+              </a:ln>
+              <a:effectLst/>
+              <a:uLnTx/>
+              <a:uFillTx/>
+              <a:ea typeface="Arial Unicode MS" pitchFamily="34" charset="-128"/>
+              <a:cs typeface="Arial Unicode MS" pitchFamily="34" charset="-128"/>
+            </a:endParaRPr>
+          </a:p>
+        </p:txBody>
+      </p:sp>
+      <p:sp>
+        <p:nvSpPr>
+          <p:cNvPr id="10" name="TextBox 9"/>
+          <p:cNvSpPr txBox="1"/>
+          <p:nvPr/>
+        </p:nvSpPr>
+        <p:spPr>
+          <a:xfrm>
+            <a:off x="3529413" y="4836920"/>
+            <a:ext cx="4973652" cy="830997"/>
+          </a:xfrm>
+          <a:prstGeom prst="rect">
+            <a:avLst/>
+          </a:prstGeom>
+          <a:noFill/>
+        </p:spPr>
+        <p:txBody>
+          <a:bodyPr wrap="square" lIns="0" tIns="0" rIns="0" bIns="0" rtlCol="0">
+            <a:spAutoFit/>
+          </a:bodyPr>
+          <a:lstStyle/>
+          <a:p>
+            <a:pPr fontAlgn="base">
+              <a:spcBef>
+                <a:spcPct val="50000"/>
+              </a:spcBef>
+              <a:spcAft>
+                <a:spcPct val="0"/>
+              </a:spcAft>
+              <a:buClr>
+                <a:srgbClr val="F0AB00"/>
+              </a:buClr>
+              <a:buSzPct val="80000"/>
+            </a:pPr>
+            <a:r>
+              <a:rPr lang="en-US" kern="0" dirty="0" smtClean="0">
+                <a:ea typeface="Arial Unicode MS" pitchFamily="34" charset="-128"/>
+                <a:cs typeface="Arial Unicode MS" pitchFamily="34" charset="-128"/>
+              </a:rPr>
+              <a:t>Note: this offers the same functionality as using the orange edit button; this simply give you a larger text area to type in.</a:t>
+            </a:r>
+            <a:endParaRPr lang="en-US" sz="1800" kern="0" dirty="0" smtClean="0">
+              <a:ea typeface="Arial Unicode MS" pitchFamily="34" charset="-128"/>
+              <a:cs typeface="Arial Unicode MS" pitchFamily="34" charset="-128"/>
+            </a:endParaRPr>
           </a:p>
         </p:txBody>
       </p:sp>
     </p:spTree>
     <p:extLst>
       <p:ext uri="{BB962C8B-B14F-4D97-AF65-F5344CB8AC3E}">
-        <p14:creationId xmlns:p14="http://schemas.microsoft.com/office/powerpoint/2010/main" val="865446709"/>
+        <p14:creationId xmlns:p14="http://schemas.microsoft.com/office/powerpoint/2010/main" val="2887033499"/>
       </p:ext>
     </p:extLst>
   </p:cSld>
   <p:clrMapOvr>
     <a:masterClrMapping/>
   </p:clrMapOvr>
+  <p:transition spd="med"/>
   <p:timing>
     <p:tnLst>
       <p:par>
@@ -7301,6 +7800,85 @@
             <a:spLocks noGrp="1"/>
           </p:cNvSpPr>
           <p:nvPr>
+            <p:ph type="ctrTitle"/>
+          </p:nvPr>
+        </p:nvSpPr>
+        <p:spPr/>
+        <p:txBody>
+          <a:bodyPr/>
+          <a:lstStyle/>
+          <a:p>
+            <a:r>
+              <a:rPr lang="en-US" dirty="0" smtClean="0"/>
+              <a:t>User Page</a:t>
+            </a:r>
+            <a:endParaRPr lang="en-US" dirty="0"/>
+          </a:p>
+        </p:txBody>
+      </p:sp>
+      <p:sp>
+        <p:nvSpPr>
+          <p:cNvPr id="3" name="Text Placeholder 2"/>
+          <p:cNvSpPr>
+            <a:spLocks noGrp="1"/>
+          </p:cNvSpPr>
+          <p:nvPr>
+            <p:ph type="body" sz="quarter" idx="10"/>
+          </p:nvPr>
+        </p:nvSpPr>
+        <p:spPr/>
+        <p:txBody>
+          <a:bodyPr/>
+          <a:lstStyle/>
+          <a:p>
+            <a:endParaRPr lang="en-US" dirty="0"/>
+          </a:p>
+        </p:txBody>
+      </p:sp>
+    </p:spTree>
+    <p:extLst>
+      <p:ext uri="{BB962C8B-B14F-4D97-AF65-F5344CB8AC3E}">
+        <p14:creationId xmlns:p14="http://schemas.microsoft.com/office/powerpoint/2010/main" val="865446709"/>
+      </p:ext>
+    </p:extLst>
+  </p:cSld>
+  <p:clrMapOvr>
+    <a:masterClrMapping/>
+  </p:clrMapOvr>
+  <p:timing>
+    <p:tnLst>
+      <p:par>
+        <p:cTn id="1" dur="indefinite" restart="never" nodeType="tmRoot"/>
+      </p:par>
+    </p:tnLst>
+  </p:timing>
+</p:sld>
+</file>
+
+<file path=ppt/slides/slide12.xml><?xml version="1.0" encoding="utf-8"?>
+<p:sld xmlns:a="http://schemas.openxmlformats.org/drawingml/2006/main" xmlns:r="http://schemas.openxmlformats.org/officeDocument/2006/relationships" xmlns:p="http://schemas.openxmlformats.org/presentationml/2006/main">
+  <p:cSld>
+    <p:spTree>
+      <p:nvGrpSpPr>
+        <p:cNvPr id="1" name=""/>
+        <p:cNvGrpSpPr/>
+        <p:nvPr/>
+      </p:nvGrpSpPr>
+      <p:grpSpPr>
+        <a:xfrm>
+          <a:off x="0" y="0"/>
+          <a:ext cx="0" cy="0"/>
+          <a:chOff x="0" y="0"/>
+          <a:chExt cx="0" cy="0"/>
+        </a:xfrm>
+      </p:grpSpPr>
+      <p:sp>
+        <p:nvSpPr>
+          <p:cNvPr id="2" name="Title 1"/>
+          <p:cNvSpPr>
+            <a:spLocks noGrp="1"/>
+          </p:cNvSpPr>
+          <p:nvPr>
             <p:ph type="title"/>
           </p:nvPr>
         </p:nvSpPr>
@@ -7339,7 +7917,7 @@
         </p:blipFill>
         <p:spPr>
           <a:xfrm>
-            <a:off x="391164" y="2150384"/>
+            <a:off x="391164" y="2594765"/>
             <a:ext cx="5259806" cy="2593570"/>
           </a:xfrm>
           <a:prstGeom prst="rect">
@@ -7356,7 +7934,7 @@
         <p:spPr>
           <a:xfrm>
             <a:off x="316194" y="1572426"/>
-            <a:ext cx="8511612" cy="276999"/>
+            <a:ext cx="8511612" cy="553998"/>
           </a:xfrm>
           <a:prstGeom prst="rect">
             <a:avLst/>
@@ -7386,12 +7964,29 @@
                 <a:ea typeface="Arial Unicode MS" pitchFamily="34" charset="-128"/>
                 <a:cs typeface="Arial Unicode MS" pitchFamily="34" charset="-128"/>
               </a:rPr>
-              <a:t>The user panel contains all things which non admins will ever require. </a:t>
-            </a:r>
-            <a:endParaRPr lang="en-US" sz="1800" kern="0" dirty="0" smtClean="0">
-              <a:ea typeface="Arial Unicode MS" pitchFamily="34" charset="-128"/>
-              <a:cs typeface="Arial Unicode MS" pitchFamily="34" charset="-128"/>
-            </a:endParaRPr>
+              <a:t>The user panel is the panel which </a:t>
+            </a:r>
+            <a:r>
+              <a:rPr lang="en-US" kern="0" dirty="0" smtClean="0">
+                <a:ea typeface="Arial Unicode MS" pitchFamily="34" charset="-128"/>
+                <a:cs typeface="Arial Unicode MS" pitchFamily="34" charset="-128"/>
+              </a:rPr>
+              <a:t>greets all users upon login. T</a:t>
+            </a:r>
+            <a:r>
+              <a:rPr lang="en-US" sz="1800" kern="0" dirty="0" smtClean="0">
+                <a:ea typeface="Arial Unicode MS" pitchFamily="34" charset="-128"/>
+                <a:cs typeface="Arial Unicode MS" pitchFamily="34" charset="-128"/>
+              </a:rPr>
+              <a:t>he </a:t>
+            </a:r>
+            <a:r>
+              <a:rPr lang="en-US" sz="1800" kern="0" dirty="0" smtClean="0">
+                <a:ea typeface="Arial Unicode MS" pitchFamily="34" charset="-128"/>
+                <a:cs typeface="Arial Unicode MS" pitchFamily="34" charset="-128"/>
+              </a:rPr>
+              <a:t>user panel contains all things which non admins will ever require. </a:t>
+            </a:r>
           </a:p>
         </p:txBody>
       </p:sp>
@@ -7403,7 +7998,7 @@
         </p:nvSpPr>
         <p:spPr>
           <a:xfrm>
-            <a:off x="5811140" y="2150384"/>
+            <a:off x="5811140" y="2594765"/>
             <a:ext cx="2897024" cy="2492990"/>
           </a:xfrm>
           <a:prstGeom prst="rect">
@@ -7499,7 +8094,7 @@
         </p:nvCxnSpPr>
         <p:spPr>
           <a:xfrm rot="10800000" flipV="1">
-            <a:off x="2102272" y="2358639"/>
+            <a:off x="2102272" y="2803020"/>
             <a:ext cx="3879785" cy="606752"/>
           </a:xfrm>
           <a:prstGeom prst="bentConnector3">
@@ -7535,8 +8130,80 @@
         </p:nvCxnSpPr>
         <p:spPr>
           <a:xfrm rot="10800000" flipV="1">
-            <a:off x="726393" y="4255806"/>
+            <a:off x="726393" y="4700187"/>
             <a:ext cx="5255664" cy="213644"/>
+          </a:xfrm>
+          <a:prstGeom prst="bentConnector3">
+            <a:avLst/>
+          </a:prstGeom>
+          <a:ln w="6350">
+            <a:solidFill>
+              <a:schemeClr val="tx1"/>
+            </a:solidFill>
+            <a:tailEnd type="arrow"/>
+          </a:ln>
+        </p:spPr>
+        <p:style>
+          <a:lnRef idx="1">
+            <a:schemeClr val="accent1"/>
+          </a:lnRef>
+          <a:fillRef idx="0">
+            <a:schemeClr val="accent1"/>
+          </a:fillRef>
+          <a:effectRef idx="0">
+            <a:schemeClr val="accent1"/>
+          </a:effectRef>
+          <a:fontRef idx="minor">
+            <a:schemeClr val="tx1"/>
+          </a:fontRef>
+        </p:style>
+      </p:cxnSp>
+      <p:cxnSp>
+        <p:nvCxnSpPr>
+          <p:cNvPr id="4" name="Elbow Connector 3"/>
+          <p:cNvCxnSpPr/>
+          <p:nvPr/>
+        </p:nvCxnSpPr>
+        <p:spPr>
+          <a:xfrm rot="10800000" flipV="1">
+            <a:off x="3354224" y="3409773"/>
+            <a:ext cx="2456916" cy="709300"/>
+          </a:xfrm>
+          <a:prstGeom prst="bentConnector3">
+            <a:avLst/>
+          </a:prstGeom>
+          <a:ln w="6350">
+            <a:solidFill>
+              <a:schemeClr val="tx1"/>
+            </a:solidFill>
+            <a:tailEnd type="arrow"/>
+          </a:ln>
+        </p:spPr>
+        <p:style>
+          <a:lnRef idx="1">
+            <a:schemeClr val="accent1"/>
+          </a:lnRef>
+          <a:fillRef idx="0">
+            <a:schemeClr val="accent1"/>
+          </a:fillRef>
+          <a:effectRef idx="0">
+            <a:schemeClr val="accent1"/>
+          </a:effectRef>
+          <a:fontRef idx="minor">
+            <a:schemeClr val="tx1"/>
+          </a:fontRef>
+        </p:style>
+      </p:cxnSp>
+      <p:cxnSp>
+        <p:nvCxnSpPr>
+          <p:cNvPr id="9" name="Elbow Connector 8"/>
+          <p:cNvCxnSpPr/>
+          <p:nvPr/>
+        </p:nvCxnSpPr>
+        <p:spPr>
+          <a:xfrm rot="10800000" flipV="1">
+            <a:off x="4717280" y="3409771"/>
+            <a:ext cx="1093863" cy="846034"/>
           </a:xfrm>
           <a:prstGeom prst="bentConnector3">
             <a:avLst/>
@@ -7584,7 +8251,7 @@
 </p:sld>
 </file>
 
-<file path=ppt/slides/slide12.xml><?xml version="1.0" encoding="utf-8"?>
+<file path=ppt/slides/slide13.xml><?xml version="1.0" encoding="utf-8"?>
 <p:sld xmlns:a="http://schemas.openxmlformats.org/drawingml/2006/main" xmlns:r="http://schemas.openxmlformats.org/officeDocument/2006/relationships" xmlns:p="http://schemas.openxmlformats.org/presentationml/2006/main">
   <p:cSld>
     <p:spTree>
@@ -7665,10 +8332,6 @@
               </a:rPr>
               <a:t>After Selecting an Exam and pressing Go, the user will be greeted with a list of sections containing the questions and possible answers</a:t>
             </a:r>
-            <a:endParaRPr lang="en-US" sz="1800" kern="0" dirty="0" smtClean="0">
-              <a:ea typeface="Arial Unicode MS" pitchFamily="34" charset="-128"/>
-              <a:cs typeface="Arial Unicode MS" pitchFamily="34" charset="-128"/>
-            </a:endParaRPr>
           </a:p>
         </p:txBody>
       </p:sp>
@@ -7680,7 +8343,7 @@
         </p:nvSpPr>
         <p:spPr>
           <a:xfrm>
-            <a:off x="4939469" y="2150384"/>
+            <a:off x="4939468" y="2586482"/>
             <a:ext cx="3768695" cy="3185487"/>
           </a:xfrm>
           <a:prstGeom prst="rect">
@@ -7709,11 +8372,11 @@
               <a:buChar char="•"/>
             </a:pPr>
             <a:r>
-              <a:rPr lang="en-US" sz="1800" kern="0" dirty="0" smtClean="0">
+              <a:rPr lang="en-US" kern="0" dirty="0" smtClean="0">
                 <a:ea typeface="Arial Unicode MS" pitchFamily="34" charset="-128"/>
                 <a:cs typeface="Arial Unicode MS" pitchFamily="34" charset="-128"/>
               </a:rPr>
-              <a:t>All non answered questions are assumed wrong</a:t>
+              <a:t>Each question will contain a list of possible answers</a:t>
             </a:r>
           </a:p>
           <a:p>
@@ -7736,7 +8399,7 @@
                 <a:ea typeface="Arial Unicode MS" pitchFamily="34" charset="-128"/>
                 <a:cs typeface="Arial Unicode MS" pitchFamily="34" charset="-128"/>
               </a:rPr>
-              <a:t>Users must click ‘Lock Answers’ at the end of every section</a:t>
+              <a:t>Only one answer is selectable (selection is done via radio toggle)</a:t>
             </a:r>
           </a:p>
           <a:p>
@@ -7755,11 +8418,31 @@
               <a:buChar char="•"/>
             </a:pPr>
             <a:r>
-              <a:rPr lang="en-US" sz="1800" kern="0" dirty="0" smtClean="0">
+              <a:rPr lang="en-US" kern="0" dirty="0" smtClean="0">
                 <a:ea typeface="Arial Unicode MS" pitchFamily="34" charset="-128"/>
                 <a:cs typeface="Arial Unicode MS" pitchFamily="34" charset="-128"/>
               </a:rPr>
-              <a:t>At the end, users will click “Submit Exam”</a:t>
+              <a:t>Upon completion of a section, user must hit the “</a:t>
+            </a:r>
+            <a:r>
+              <a:rPr lang="en-US" kern="0" dirty="0" smtClean="0">
+                <a:solidFill>
+                  <a:schemeClr val="accent1">
+                    <a:lumMod val="60000"/>
+                    <a:lumOff val="40000"/>
+                  </a:schemeClr>
+                </a:solidFill>
+                <a:ea typeface="Arial Unicode MS" pitchFamily="34" charset="-128"/>
+                <a:cs typeface="Arial Unicode MS" pitchFamily="34" charset="-128"/>
+              </a:rPr>
+              <a:t>Lock Answers</a:t>
+            </a:r>
+            <a:r>
+              <a:rPr lang="en-US" kern="0" dirty="0" smtClean="0">
+                <a:ea typeface="Arial Unicode MS" pitchFamily="34" charset="-128"/>
+                <a:cs typeface="Arial Unicode MS" pitchFamily="34" charset="-128"/>
+              </a:rPr>
+              <a:t>” button</a:t>
             </a:r>
           </a:p>
           <a:p>
@@ -7782,7 +8465,7 @@
                 <a:ea typeface="Arial Unicode MS" pitchFamily="34" charset="-128"/>
                 <a:cs typeface="Arial Unicode MS" pitchFamily="34" charset="-128"/>
               </a:rPr>
-              <a:t>The exam will then be saved to the server and the correct answers will be highlighted in green and incorrect in red</a:t>
+              <a:t>After clicking “Lock Answers”, the section will become greyed out and the radios disabled.</a:t>
             </a:r>
             <a:endParaRPr lang="en-US" kern="0" dirty="0" smtClean="0">
               <a:ea typeface="Arial Unicode MS" pitchFamily="34" charset="-128"/>
@@ -7813,74 +8496,71 @@
         </p:blipFill>
         <p:spPr>
           <a:xfrm>
-            <a:off x="316194" y="2278571"/>
-            <a:ext cx="4203844" cy="1976020"/>
+            <a:off x="316193" y="2654586"/>
+            <a:ext cx="4424595" cy="2079784"/>
           </a:xfrm>
           <a:prstGeom prst="rect">
             <a:avLst/>
           </a:prstGeom>
         </p:spPr>
       </p:pic>
-      <p:pic>
-        <p:nvPicPr>
-          <p:cNvPr id="4" name="Picture 3"/>
-          <p:cNvPicPr>
-            <a:picLocks noChangeAspect="1"/>
-          </p:cNvPicPr>
+      <p:sp>
+        <p:nvSpPr>
+          <p:cNvPr id="5" name="Up Arrow 4"/>
+          <p:cNvSpPr/>
           <p:nvPr/>
-        </p:nvPicPr>
-        <p:blipFill>
-          <a:blip r:embed="rId4">
-            <a:extLst>
-              <a:ext uri="{28A0092B-C50C-407E-A947-70E740481C1C}">
-                <a14:useLocalDpi xmlns:a14="http://schemas.microsoft.com/office/drawing/2010/main" val="0"/>
-              </a:ext>
-            </a:extLst>
-          </a:blip>
-          <a:stretch>
-            <a:fillRect/>
-          </a:stretch>
-        </p:blipFill>
-        <p:spPr>
+        </p:nvSpPr>
+        <p:spPr bwMode="gray">
           <a:xfrm>
-            <a:off x="3481801" y="5472109"/>
-            <a:ext cx="2329339" cy="643341"/>
+            <a:off x="4238714" y="4734369"/>
+            <a:ext cx="341832" cy="546931"/>
           </a:xfrm>
-          <a:prstGeom prst="rect">
+          <a:prstGeom prst="upArrow">
             <a:avLst/>
           </a:prstGeom>
+          <a:solidFill>
+            <a:schemeClr val="accent1"/>
+          </a:solidFill>
+          <a:ln w="6350" algn="ctr">
+            <a:noFill/>
+            <a:miter lim="800000"/>
+            <a:headEnd/>
+            <a:tailEnd/>
+          </a:ln>
         </p:spPr>
-      </p:pic>
-      <p:pic>
-        <p:nvPicPr>
-          <p:cNvPr id="8" name="Picture 7"/>
-          <p:cNvPicPr>
-            <a:picLocks noChangeAspect="1"/>
-          </p:cNvPicPr>
-          <p:nvPr/>
-        </p:nvPicPr>
-        <p:blipFill>
-          <a:blip r:embed="rId5" cstate="print">
-            <a:extLst>
-              <a:ext uri="{28A0092B-C50C-407E-A947-70E740481C1C}">
-                <a14:useLocalDpi xmlns:a14="http://schemas.microsoft.com/office/drawing/2010/main" val="0"/>
-              </a:ext>
-            </a:extLst>
-          </a:blip>
-          <a:stretch>
-            <a:fillRect/>
-          </a:stretch>
-        </p:blipFill>
-        <p:spPr>
-          <a:xfrm>
-            <a:off x="316194" y="4254591"/>
-            <a:ext cx="3166947" cy="1860859"/>
-          </a:xfrm>
-          <a:prstGeom prst="rect">
-            <a:avLst/>
-          </a:prstGeom>
-        </p:spPr>
-      </p:pic>
+        <p:txBody>
+          <a:bodyPr lIns="90000" tIns="72000" rIns="90000" bIns="72000" rtlCol="0" anchor="ctr"/>
+          <a:lstStyle/>
+          <a:p>
+            <a:pPr marR="0" algn="ctr" defTabSz="914400" eaLnBrk="1" fontAlgn="base" latinLnBrk="0" hangingPunct="1">
+              <a:lnSpc>
+                <a:spcPct val="100000"/>
+              </a:lnSpc>
+              <a:spcBef>
+                <a:spcPct val="50000"/>
+              </a:spcBef>
+              <a:spcAft>
+                <a:spcPct val="0"/>
+              </a:spcAft>
+              <a:buClr>
+                <a:srgbClr val="F0AB00"/>
+              </a:buClr>
+              <a:buSzPct val="80000"/>
+              <a:tabLst/>
+            </a:pPr>
+            <a:endParaRPr kumimoji="0" lang="en-US" b="0" i="0" u="none" strike="noStrike" kern="0" cap="none" spc="0" normalizeH="0" baseline="0" noProof="0" dirty="0" smtClean="0">
+              <a:ln>
+                <a:noFill/>
+              </a:ln>
+              <a:effectLst/>
+              <a:uLnTx/>
+              <a:uFillTx/>
+              <a:ea typeface="Arial Unicode MS" pitchFamily="34" charset="-128"/>
+              <a:cs typeface="Arial Unicode MS" pitchFamily="34" charset="-128"/>
+            </a:endParaRPr>
+          </a:p>
+        </p:txBody>
+      </p:sp>
     </p:spTree>
     <p:extLst>
       <p:ext uri="{BB962C8B-B14F-4D97-AF65-F5344CB8AC3E}">
@@ -7902,7 +8582,7 @@
 </p:sld>
 </file>
 
-<file path=ppt/slides/slide13.xml><?xml version="1.0" encoding="utf-8"?>
+<file path=ppt/slides/slide14.xml><?xml version="1.0" encoding="utf-8"?>
 <p:sld xmlns:a="http://schemas.openxmlformats.org/drawingml/2006/main" xmlns:r="http://schemas.openxmlformats.org/officeDocument/2006/relationships" xmlns:p="http://schemas.openxmlformats.org/presentationml/2006/main">
   <p:cSld>
     <p:spTree>
@@ -7921,6 +8601,298 @@
       </p:grpSpPr>
       <p:sp>
         <p:nvSpPr>
+          <p:cNvPr id="2" name="Title 1"/>
+          <p:cNvSpPr>
+            <a:spLocks noGrp="1"/>
+          </p:cNvSpPr>
+          <p:nvPr>
+            <p:ph type="title"/>
+          </p:nvPr>
+        </p:nvSpPr>
+        <p:spPr/>
+        <p:txBody>
+          <a:bodyPr/>
+          <a:lstStyle/>
+          <a:p>
+            <a:r>
+              <a:rPr lang="en-US" dirty="0" smtClean="0"/>
+              <a:t>Exam </a:t>
+            </a:r>
+            <a:r>
+              <a:rPr lang="en-US" dirty="0" smtClean="0"/>
+              <a:t>Taking Continued</a:t>
+            </a:r>
+            <a:endParaRPr lang="en-US" sz="2000" b="0" dirty="0"/>
+          </a:p>
+        </p:txBody>
+      </p:sp>
+      <p:sp>
+        <p:nvSpPr>
+          <p:cNvPr id="6" name="TextBox 5"/>
+          <p:cNvSpPr txBox="1"/>
+          <p:nvPr/>
+        </p:nvSpPr>
+        <p:spPr>
+          <a:xfrm>
+            <a:off x="316194" y="1563880"/>
+            <a:ext cx="8511612" cy="553998"/>
+          </a:xfrm>
+          <a:prstGeom prst="rect">
+            <a:avLst/>
+          </a:prstGeom>
+          <a:noFill/>
+        </p:spPr>
+        <p:txBody>
+          <a:bodyPr wrap="square" lIns="0" tIns="0" rIns="0" bIns="0" rtlCol="0">
+            <a:spAutoFit/>
+          </a:bodyPr>
+          <a:lstStyle/>
+          <a:p>
+            <a:pPr fontAlgn="base">
+              <a:spcBef>
+                <a:spcPct val="50000"/>
+              </a:spcBef>
+              <a:spcAft>
+                <a:spcPct val="0"/>
+              </a:spcAft>
+              <a:buClr>
+                <a:srgbClr val="F0AB00"/>
+              </a:buClr>
+              <a:buSzPct val="80000"/>
+            </a:pPr>
+            <a:r>
+              <a:rPr lang="en-US" sz="1800" kern="0" dirty="0" smtClean="0">
+                <a:ea typeface="Arial Unicode MS" pitchFamily="34" charset="-128"/>
+                <a:cs typeface="Arial Unicode MS" pitchFamily="34" charset="-128"/>
+              </a:rPr>
+              <a:t>Once all sections are completed and locked, the user will have to click the “Submit Exam” button located in the bottom right corner of the page.</a:t>
+            </a:r>
+            <a:endParaRPr lang="en-US" sz="1800" kern="0" dirty="0" smtClean="0">
+              <a:ea typeface="Arial Unicode MS" pitchFamily="34" charset="-128"/>
+              <a:cs typeface="Arial Unicode MS" pitchFamily="34" charset="-128"/>
+            </a:endParaRPr>
+          </a:p>
+        </p:txBody>
+      </p:sp>
+      <p:sp>
+        <p:nvSpPr>
+          <p:cNvPr id="7" name="TextBox 6"/>
+          <p:cNvSpPr txBox="1"/>
+          <p:nvPr/>
+        </p:nvSpPr>
+        <p:spPr>
+          <a:xfrm>
+            <a:off x="4939468" y="2315912"/>
+            <a:ext cx="3768695" cy="2354491"/>
+          </a:xfrm>
+          <a:prstGeom prst="rect">
+            <a:avLst/>
+          </a:prstGeom>
+          <a:noFill/>
+        </p:spPr>
+        <p:txBody>
+          <a:bodyPr wrap="square" lIns="0" tIns="0" rIns="0" bIns="0" rtlCol="0">
+            <a:spAutoFit/>
+          </a:bodyPr>
+          <a:lstStyle/>
+          <a:p>
+            <a:pPr marL="285750" indent="-285750" fontAlgn="base">
+              <a:spcBef>
+                <a:spcPct val="50000"/>
+              </a:spcBef>
+              <a:spcAft>
+                <a:spcPct val="0"/>
+              </a:spcAft>
+              <a:buClr>
+                <a:srgbClr val="F0AB00"/>
+              </a:buClr>
+              <a:buSzPct val="80000"/>
+              <a:buFont typeface="Arial" pitchFamily="34" charset="0"/>
+              <a:buChar char="•"/>
+            </a:pPr>
+            <a:r>
+              <a:rPr lang="en-US" kern="0" dirty="0" smtClean="0">
+                <a:ea typeface="Arial Unicode MS" pitchFamily="34" charset="-128"/>
+                <a:cs typeface="Arial Unicode MS" pitchFamily="34" charset="-128"/>
+              </a:rPr>
+              <a:t>Once clicked, the then greyed out questions will change colors.</a:t>
+            </a:r>
+          </a:p>
+          <a:p>
+            <a:pPr marL="285750" indent="-285750" fontAlgn="base">
+              <a:spcBef>
+                <a:spcPct val="50000"/>
+              </a:spcBef>
+              <a:spcAft>
+                <a:spcPct val="0"/>
+              </a:spcAft>
+              <a:buClr>
+                <a:srgbClr val="F0AB00"/>
+              </a:buClr>
+              <a:buSzPct val="80000"/>
+              <a:buFont typeface="Arial" pitchFamily="34" charset="0"/>
+              <a:buChar char="•"/>
+            </a:pPr>
+            <a:r>
+              <a:rPr lang="en-US" kern="0" dirty="0" smtClean="0">
+                <a:ea typeface="Arial Unicode MS" pitchFamily="34" charset="-128"/>
+                <a:cs typeface="Arial Unicode MS" pitchFamily="34" charset="-128"/>
+              </a:rPr>
+              <a:t>Green indicating a correct answer</a:t>
+            </a:r>
+          </a:p>
+          <a:p>
+            <a:pPr marL="285750" indent="-285750" fontAlgn="base">
+              <a:spcBef>
+                <a:spcPct val="50000"/>
+              </a:spcBef>
+              <a:spcAft>
+                <a:spcPct val="0"/>
+              </a:spcAft>
+              <a:buClr>
+                <a:srgbClr val="F0AB00"/>
+              </a:buClr>
+              <a:buSzPct val="80000"/>
+              <a:buFont typeface="Arial" pitchFamily="34" charset="0"/>
+              <a:buChar char="•"/>
+            </a:pPr>
+            <a:r>
+              <a:rPr lang="en-US" kern="0" dirty="0" smtClean="0">
+                <a:ea typeface="Arial Unicode MS" pitchFamily="34" charset="-128"/>
+                <a:cs typeface="Arial Unicode MS" pitchFamily="34" charset="-128"/>
+              </a:rPr>
+              <a:t>Red indicating incorrect</a:t>
+            </a:r>
+          </a:p>
+          <a:p>
+            <a:pPr marL="285750" indent="-285750" fontAlgn="base">
+              <a:spcBef>
+                <a:spcPct val="50000"/>
+              </a:spcBef>
+              <a:spcAft>
+                <a:spcPct val="0"/>
+              </a:spcAft>
+              <a:buClr>
+                <a:srgbClr val="F0AB00"/>
+              </a:buClr>
+              <a:buSzPct val="80000"/>
+              <a:buFont typeface="Arial" pitchFamily="34" charset="0"/>
+              <a:buChar char="•"/>
+            </a:pPr>
+            <a:r>
+              <a:rPr lang="en-US" kern="0" dirty="0" smtClean="0">
+                <a:ea typeface="Arial Unicode MS" pitchFamily="34" charset="-128"/>
+                <a:cs typeface="Arial Unicode MS" pitchFamily="34" charset="-128"/>
+              </a:rPr>
+              <a:t>The user can then return to the user panel to see their overall score</a:t>
+            </a:r>
+            <a:endParaRPr lang="en-US" kern="0" dirty="0" smtClean="0">
+              <a:ea typeface="Arial Unicode MS" pitchFamily="34" charset="-128"/>
+              <a:cs typeface="Arial Unicode MS" pitchFamily="34" charset="-128"/>
+            </a:endParaRPr>
+          </a:p>
+        </p:txBody>
+      </p:sp>
+      <p:pic>
+        <p:nvPicPr>
+          <p:cNvPr id="4" name="Picture 3"/>
+          <p:cNvPicPr>
+            <a:picLocks noChangeAspect="1"/>
+          </p:cNvPicPr>
+          <p:nvPr/>
+        </p:nvPicPr>
+        <p:blipFill>
+          <a:blip r:embed="rId3">
+            <a:extLst>
+              <a:ext uri="{28A0092B-C50C-407E-A947-70E740481C1C}">
+                <a14:useLocalDpi xmlns:a14="http://schemas.microsoft.com/office/drawing/2010/main" val="0"/>
+              </a:ext>
+            </a:extLst>
+          </a:blip>
+          <a:stretch>
+            <a:fillRect/>
+          </a:stretch>
+        </p:blipFill>
+        <p:spPr>
+          <a:xfrm>
+            <a:off x="2489769" y="5472108"/>
+            <a:ext cx="2329339" cy="643341"/>
+          </a:xfrm>
+          <a:prstGeom prst="rect">
+            <a:avLst/>
+          </a:prstGeom>
+        </p:spPr>
+      </p:pic>
+      <p:pic>
+        <p:nvPicPr>
+          <p:cNvPr id="8" name="Picture 7"/>
+          <p:cNvPicPr>
+            <a:picLocks noChangeAspect="1"/>
+          </p:cNvPicPr>
+          <p:nvPr/>
+        </p:nvPicPr>
+        <p:blipFill>
+          <a:blip r:embed="rId4" cstate="print">
+            <a:extLst>
+              <a:ext uri="{28A0092B-C50C-407E-A947-70E740481C1C}">
+                <a14:useLocalDpi xmlns:a14="http://schemas.microsoft.com/office/drawing/2010/main" val="0"/>
+              </a:ext>
+            </a:extLst>
+          </a:blip>
+          <a:stretch>
+            <a:fillRect/>
+          </a:stretch>
+        </p:blipFill>
+        <p:spPr>
+          <a:xfrm>
+            <a:off x="316194" y="2315911"/>
+            <a:ext cx="4502914" cy="2645857"/>
+          </a:xfrm>
+          <a:prstGeom prst="rect">
+            <a:avLst/>
+          </a:prstGeom>
+        </p:spPr>
+      </p:pic>
+    </p:spTree>
+    <p:extLst>
+      <p:ext uri="{BB962C8B-B14F-4D97-AF65-F5344CB8AC3E}">
+        <p14:creationId xmlns:p14="http://schemas.microsoft.com/office/powerpoint/2010/main" val="3946262304"/>
+      </p:ext>
+    </p:extLst>
+  </p:cSld>
+  <p:clrMapOvr>
+    <a:masterClrMapping/>
+  </p:clrMapOvr>
+  <p:transition spd="med"/>
+  <p:timing>
+    <p:tnLst>
+      <p:par>
+        <p:cTn id="1" dur="indefinite" restart="never" nodeType="tmRoot"/>
+      </p:par>
+    </p:tnLst>
+  </p:timing>
+</p:sld>
+</file>
+
+<file path=ppt/slides/slide15.xml><?xml version="1.0" encoding="utf-8"?>
+<p:sld xmlns:a="http://schemas.openxmlformats.org/drawingml/2006/main" xmlns:r="http://schemas.openxmlformats.org/officeDocument/2006/relationships" xmlns:p="http://schemas.openxmlformats.org/presentationml/2006/main">
+  <p:cSld>
+    <p:spTree>
+      <p:nvGrpSpPr>
+        <p:cNvPr id="1" name=""/>
+        <p:cNvGrpSpPr/>
+        <p:nvPr/>
+      </p:nvGrpSpPr>
+      <p:grpSpPr>
+        <a:xfrm>
+          <a:off x="0" y="0"/>
+          <a:ext cx="0" cy="0"/>
+          <a:chOff x="0" y="0"/>
+          <a:chExt cx="0" cy="0"/>
+        </a:xfrm>
+      </p:grpSpPr>
+      <p:sp>
+        <p:nvSpPr>
           <p:cNvPr id="5" name="Title 4"/>
           <p:cNvSpPr>
             <a:spLocks noGrp="1"/>
@@ -7999,7 +8971,7 @@
 </p:sld>
 </file>
 
-<file path=ppt/slides/slide14.xml><?xml version="1.0" encoding="utf-8"?>
+<file path=ppt/slides/slide16.xml><?xml version="1.0" encoding="utf-8"?>
 <p:sld xmlns:a="http://schemas.openxmlformats.org/drawingml/2006/main" xmlns:r="http://schemas.openxmlformats.org/officeDocument/2006/relationships" xmlns:p="http://schemas.openxmlformats.org/presentationml/2006/main" show="0">
   <p:cSld>
     <p:spTree>
@@ -8032,7 +9004,7 @@
 </p:sld>
 </file>
 
-<file path=ppt/slides/slide15.xml><?xml version="1.0" encoding="utf-8"?>
+<file path=ppt/slides/slide17.xml><?xml version="1.0" encoding="utf-8"?>
 <p:sld xmlns:a="http://schemas.openxmlformats.org/drawingml/2006/main" xmlns:r="http://schemas.openxmlformats.org/officeDocument/2006/relationships" xmlns:p="http://schemas.openxmlformats.org/presentationml/2006/main" show="0">
   <p:cSld>
     <p:spTree>
@@ -8149,9 +9121,8 @@
             <a:pPr lvl="1"/>
             <a:r>
               <a:rPr lang="en-US" dirty="0" smtClean="0"/>
-              <a:t>User Editing</a:t>
-            </a:r>
-            <a:endParaRPr lang="en-US" dirty="0" smtClean="0"/>
+              <a:t>User Management</a:t>
+            </a:r>
           </a:p>
           <a:p>
             <a:r>
@@ -8260,6 +9231,24 @@
             <a:r>
               <a:rPr lang="en-US" dirty="0" smtClean="0"/>
               <a:t>The Basics</a:t>
+            </a:r>
+          </a:p>
+          <a:p>
+            <a:r>
+              <a:rPr lang="en-US" dirty="0"/>
+              <a:t>http://&lt;IP Address of Server</a:t>
+            </a:r>
+            <a:r>
+              <a:rPr lang="en-US" dirty="0" smtClean="0"/>
+              <a:t>&gt;/</a:t>
+            </a:r>
+            <a:r>
+              <a:rPr lang="en-US" dirty="0" err="1" smtClean="0"/>
+              <a:t>exam_system</a:t>
+            </a:r>
+            <a:r>
+              <a:rPr lang="en-US" dirty="0" smtClean="0"/>
+              <a:t>/</a:t>
             </a:r>
             <a:endParaRPr lang="en-US" dirty="0"/>
           </a:p>
@@ -8463,10 +9452,6 @@
               </a:rPr>
               <a:t>Click on the hyperlink to bring you to the registration page</a:t>
             </a:r>
-            <a:endParaRPr lang="en-US" sz="1800" kern="0" dirty="0" smtClean="0">
-              <a:ea typeface="Arial Unicode MS" pitchFamily="34" charset="-128"/>
-              <a:cs typeface="Arial Unicode MS" pitchFamily="34" charset="-128"/>
-            </a:endParaRPr>
           </a:p>
         </p:txBody>
       </p:sp>
@@ -8479,7 +9464,7 @@
         <p:spPr>
           <a:xfrm>
             <a:off x="410198" y="4725824"/>
-            <a:ext cx="7939043" cy="276999"/>
+            <a:ext cx="7939043" cy="969496"/>
           </a:xfrm>
           <a:prstGeom prst="rect">
             <a:avLst/>
@@ -8492,7 +9477,7 @@
           </a:bodyPr>
           <a:lstStyle/>
           <a:p>
-            <a:pPr fontAlgn="base">
+            <a:pPr marL="285750" indent="-285750" fontAlgn="base">
               <a:spcBef>
                 <a:spcPct val="50000"/>
               </a:spcBef>
@@ -8503,18 +9488,39 @@
                 <a:srgbClr val="F0AB00"/>
               </a:buClr>
               <a:buSzPct val="80000"/>
+              <a:buFontTx/>
+              <a:buChar char="-"/>
             </a:pPr>
             <a:r>
               <a:rPr lang="en-US" kern="0" dirty="0" smtClean="0">
                 <a:ea typeface="Arial Unicode MS" pitchFamily="34" charset="-128"/>
                 <a:cs typeface="Arial Unicode MS" pitchFamily="34" charset="-128"/>
               </a:rPr>
-              <a:t>- After supplying the required information, your will be created!</a:t>
-            </a:r>
-            <a:endParaRPr lang="en-US" sz="1800" kern="0" dirty="0" smtClean="0">
-              <a:ea typeface="Arial Unicode MS" pitchFamily="34" charset="-128"/>
-              <a:cs typeface="Arial Unicode MS" pitchFamily="34" charset="-128"/>
-            </a:endParaRPr>
+              <a:t>After supplying the required information, your account will be created!</a:t>
+            </a:r>
+          </a:p>
+          <a:p>
+            <a:pPr marL="285750" indent="-285750" fontAlgn="base">
+              <a:spcBef>
+                <a:spcPct val="50000"/>
+              </a:spcBef>
+              <a:spcAft>
+                <a:spcPct val="0"/>
+              </a:spcAft>
+              <a:buClr>
+                <a:srgbClr val="F0AB00"/>
+              </a:buClr>
+              <a:buSzPct val="80000"/>
+              <a:buFontTx/>
+              <a:buChar char="-"/>
+            </a:pPr>
+            <a:r>
+              <a:rPr lang="en-US" sz="1800" kern="0" dirty="0" smtClean="0">
+                <a:ea typeface="Arial Unicode MS" pitchFamily="34" charset="-128"/>
+                <a:cs typeface="Arial Unicode MS" pitchFamily="34" charset="-128"/>
+              </a:rPr>
+              <a:t>Note: Any valid email address will work, so you may use a non SAP address</a:t>
+            </a:r>
           </a:p>
         </p:txBody>
       </p:sp>
@@ -8598,7 +9604,24 @@
               <a:rPr lang="en-US" dirty="0" smtClean="0"/>
               <a:t>There are a few</a:t>
             </a:r>
-            <a:endParaRPr lang="en-US" dirty="0"/>
+          </a:p>
+          <a:p>
+            <a:r>
+              <a:rPr lang="en-US" dirty="0" smtClean="0"/>
+              <a:t>http://&lt;IP Address of Server&gt;/</a:t>
+            </a:r>
+            <a:r>
+              <a:rPr lang="en-US" dirty="0" err="1" smtClean="0"/>
+              <a:t>exam_system</a:t>
+            </a:r>
+            <a:r>
+              <a:rPr lang="en-US" dirty="0" smtClean="0"/>
+              <a:t>/admin</a:t>
+            </a:r>
+            <a:r>
+              <a:rPr lang="en-US" dirty="0"/>
+              <a:t>/</a:t>
+            </a:r>
           </a:p>
         </p:txBody>
       </p:sp>
@@ -8687,7 +9710,6 @@
               <a:rPr lang="en-US" dirty="0" smtClean="0"/>
               <a:t>Only existing administrators can give new users admin rights as well;</a:t>
             </a:r>
-            <a:endParaRPr lang="en-US" dirty="0" smtClean="0"/>
           </a:p>
           <a:p>
             <a:pPr lvl="1"/>
@@ -8706,7 +9728,7 @@
         </p:nvGrpSpPr>
         <p:grpSpPr>
           <a:xfrm>
-            <a:off x="4422444" y="2045169"/>
+            <a:off x="4727672" y="2045169"/>
             <a:ext cx="3732657" cy="1286132"/>
             <a:chOff x="2112666" y="2422743"/>
             <a:chExt cx="5277587" cy="1880051"/>
@@ -8808,8 +9830,8 @@
         </p:nvSpPr>
         <p:spPr>
           <a:xfrm>
-            <a:off x="384557" y="3451387"/>
-            <a:ext cx="4264349" cy="553998"/>
+            <a:off x="384557" y="2591775"/>
+            <a:ext cx="4264349" cy="2215991"/>
           </a:xfrm>
           <a:prstGeom prst="rect">
             <a:avLst/>
@@ -8822,7 +9844,7 @@
           </a:bodyPr>
           <a:lstStyle/>
           <a:p>
-            <a:pPr fontAlgn="base">
+            <a:pPr marL="285750" indent="-285750" fontAlgn="base">
               <a:spcBef>
                 <a:spcPct val="50000"/>
               </a:spcBef>
@@ -8833,6 +9855,31 @@
                 <a:srgbClr val="F0AB00"/>
               </a:buClr>
               <a:buSzPct val="80000"/>
+              <a:buFont typeface="Arial" pitchFamily="34" charset="0"/>
+              <a:buChar char="•"/>
+            </a:pPr>
+            <a:r>
+              <a:rPr lang="en-US" sz="1800" kern="0" dirty="0" smtClean="0">
+                <a:ea typeface="Arial Unicode MS" pitchFamily="34" charset="-128"/>
+                <a:cs typeface="Arial Unicode MS" pitchFamily="34" charset="-128"/>
+              </a:rPr>
+              <a:t>Click on the link “To User Management”</a:t>
+            </a:r>
+          </a:p>
+          <a:p>
+            <a:pPr marL="285750" indent="-285750" fontAlgn="base">
+              <a:spcBef>
+                <a:spcPct val="50000"/>
+              </a:spcBef>
+              <a:spcAft>
+                <a:spcPct val="0"/>
+              </a:spcAft>
+              <a:buClr>
+                <a:srgbClr val="F0AB00"/>
+              </a:buClr>
+              <a:buSzPct val="80000"/>
+              <a:buFont typeface="Arial" pitchFamily="34" charset="0"/>
+              <a:buChar char="•"/>
             </a:pPr>
             <a:r>
               <a:rPr lang="en-US" sz="1800" kern="0" dirty="0" smtClean="0">
@@ -8840,6 +9887,29 @@
                 <a:cs typeface="Arial Unicode MS" pitchFamily="34" charset="-128"/>
               </a:rPr>
               <a:t>Select a user, check ‘Admin’ and click Update Info</a:t>
+            </a:r>
+          </a:p>
+          <a:p>
+            <a:pPr marL="285750" indent="-285750" fontAlgn="base">
+              <a:spcBef>
+                <a:spcPct val="50000"/>
+              </a:spcBef>
+              <a:spcAft>
+                <a:spcPct val="0"/>
+              </a:spcAft>
+              <a:buClr>
+                <a:srgbClr val="F0AB00"/>
+              </a:buClr>
+              <a:buSzPct val="80000"/>
+              <a:buFont typeface="Arial" pitchFamily="34" charset="0"/>
+              <a:buChar char="•"/>
+            </a:pPr>
+            <a:r>
+              <a:rPr lang="en-US" sz="1800" kern="0" dirty="0" smtClean="0">
+                <a:ea typeface="Arial Unicode MS" pitchFamily="34" charset="-128"/>
+                <a:cs typeface="Arial Unicode MS" pitchFamily="34" charset="-128"/>
+              </a:rPr>
+              <a:t>Note: This is also the panel which is used to see previous user attempts of exams.</a:t>
             </a:r>
             <a:endParaRPr lang="en-US" sz="1800" kern="0" dirty="0" smtClean="0">
               <a:ea typeface="Arial Unicode MS" pitchFamily="34" charset="-128"/>
@@ -8856,7 +9926,7 @@
         </p:nvGrpSpPr>
         <p:grpSpPr>
           <a:xfrm>
-            <a:off x="4422444" y="3524868"/>
+            <a:off x="4648906" y="3612620"/>
             <a:ext cx="3811423" cy="1028395"/>
             <a:chOff x="1814803" y="4817834"/>
             <a:chExt cx="5115639" cy="1343213"/>
@@ -9007,54 +10077,6 @@
           </p:txBody>
         </p:sp>
       </p:grpSp>
-      <p:sp>
-        <p:nvSpPr>
-          <p:cNvPr id="15" name="TextBox 14"/>
-          <p:cNvSpPr txBox="1"/>
-          <p:nvPr/>
-        </p:nvSpPr>
-        <p:spPr>
-          <a:xfrm>
-            <a:off x="384557" y="4315593"/>
-            <a:ext cx="3738787" cy="830997"/>
-          </a:xfrm>
-          <a:prstGeom prst="rect">
-            <a:avLst/>
-          </a:prstGeom>
-          <a:noFill/>
-        </p:spPr>
-        <p:txBody>
-          <a:bodyPr wrap="square" lIns="0" tIns="0" rIns="0" bIns="0" rtlCol="0">
-            <a:spAutoFit/>
-          </a:bodyPr>
-          <a:lstStyle/>
-          <a:p>
-            <a:pPr fontAlgn="base">
-              <a:spcBef>
-                <a:spcPct val="50000"/>
-              </a:spcBef>
-              <a:spcAft>
-                <a:spcPct val="0"/>
-              </a:spcAft>
-              <a:buClr>
-                <a:srgbClr val="F0AB00"/>
-              </a:buClr>
-              <a:buSzPct val="80000"/>
-            </a:pPr>
-            <a:r>
-              <a:rPr lang="en-US" sz="1800" kern="0" dirty="0" smtClean="0">
-                <a:ea typeface="Arial Unicode MS" pitchFamily="34" charset="-128"/>
-                <a:cs typeface="Arial Unicode MS" pitchFamily="34" charset="-128"/>
-              </a:rPr>
-              <a:t>It is also from this panel that the administrator can see all previous exam attempts done by the user:</a:t>
-            </a:r>
-            <a:endParaRPr lang="en-US" sz="1800" kern="0" dirty="0" smtClean="0">
-              <a:ea typeface="Arial Unicode MS" pitchFamily="34" charset="-128"/>
-              <a:cs typeface="Arial Unicode MS" pitchFamily="34" charset="-128"/>
-            </a:endParaRPr>
-          </a:p>
-        </p:txBody>
-      </p:sp>
       <p:pic>
         <p:nvPicPr>
           <p:cNvPr id="16" name="Picture 15"/>
@@ -9077,7 +10099,7 @@
         </p:blipFill>
         <p:spPr>
           <a:xfrm>
-            <a:off x="3091739" y="5138845"/>
+            <a:off x="2519163" y="5138845"/>
             <a:ext cx="5941166" cy="598016"/>
           </a:xfrm>
           <a:prstGeom prst="rect">
@@ -9171,20 +10193,417 @@
               <a:rPr lang="en-US" dirty="0" smtClean="0"/>
               <a:t>You are able to create Exams, Sections, Questions and Answers here; as well as associate them to one another as you see fit.</a:t>
             </a:r>
-            <a:endParaRPr lang="en-US" dirty="0" smtClean="0"/>
-          </a:p>
-        </p:txBody>
-      </p:sp>
+          </a:p>
+        </p:txBody>
+      </p:sp>
+      <p:sp>
+        <p:nvSpPr>
+          <p:cNvPr id="4" name="TextBox 3"/>
+          <p:cNvSpPr txBox="1"/>
+          <p:nvPr/>
+        </p:nvSpPr>
+        <p:spPr>
+          <a:xfrm>
+            <a:off x="521293" y="4042161"/>
+            <a:ext cx="7998864" cy="1708160"/>
+          </a:xfrm>
+          <a:prstGeom prst="rect">
+            <a:avLst/>
+          </a:prstGeom>
+          <a:noFill/>
+        </p:spPr>
+        <p:txBody>
+          <a:bodyPr wrap="square" lIns="0" tIns="0" rIns="0" bIns="0" rtlCol="0">
+            <a:spAutoFit/>
+          </a:bodyPr>
+          <a:lstStyle/>
+          <a:p>
+            <a:pPr marL="285750" indent="-285750" fontAlgn="base">
+              <a:spcBef>
+                <a:spcPct val="50000"/>
+              </a:spcBef>
+              <a:spcAft>
+                <a:spcPct val="0"/>
+              </a:spcAft>
+              <a:buClr>
+                <a:srgbClr val="F0AB00"/>
+              </a:buClr>
+              <a:buSzPct val="80000"/>
+              <a:buFont typeface="Arial" pitchFamily="34" charset="0"/>
+              <a:buChar char="•"/>
+            </a:pPr>
+            <a:r>
+              <a:rPr lang="en-US" sz="1800" kern="0" dirty="0" smtClean="0">
+                <a:ea typeface="Arial Unicode MS" pitchFamily="34" charset="-128"/>
+                <a:cs typeface="Arial Unicode MS" pitchFamily="34" charset="-128"/>
+              </a:rPr>
+              <a:t>Each text windows has a corresponding ‘Create’ button</a:t>
+            </a:r>
+          </a:p>
+          <a:p>
+            <a:pPr marL="285750" indent="-285750" fontAlgn="base">
+              <a:spcBef>
+                <a:spcPct val="50000"/>
+              </a:spcBef>
+              <a:spcAft>
+                <a:spcPct val="0"/>
+              </a:spcAft>
+              <a:buClr>
+                <a:srgbClr val="F0AB00"/>
+              </a:buClr>
+              <a:buSzPct val="80000"/>
+              <a:buFont typeface="Arial" pitchFamily="34" charset="0"/>
+              <a:buChar char="•"/>
+            </a:pPr>
+            <a:r>
+              <a:rPr lang="en-US" kern="0" dirty="0" smtClean="0">
+                <a:ea typeface="Arial Unicode MS" pitchFamily="34" charset="-128"/>
+                <a:cs typeface="Arial Unicode MS" pitchFamily="34" charset="-128"/>
+              </a:rPr>
+              <a:t>Input the title/text of what you wish the exam/section/questio</a:t>
+            </a:r>
+            <a:r>
+              <a:rPr lang="en-US" kern="0" dirty="0" smtClean="0">
+                <a:ea typeface="Arial Unicode MS" pitchFamily="34" charset="-128"/>
+                <a:cs typeface="Arial Unicode MS" pitchFamily="34" charset="-128"/>
+              </a:rPr>
+              <a:t>n/answer to be called/contain and click create.</a:t>
+            </a:r>
+          </a:p>
+          <a:p>
+            <a:pPr marL="742950" lvl="1" indent="-285750" fontAlgn="base">
+              <a:spcBef>
+                <a:spcPct val="50000"/>
+              </a:spcBef>
+              <a:spcAft>
+                <a:spcPct val="0"/>
+              </a:spcAft>
+              <a:buClr>
+                <a:srgbClr val="F0AB00"/>
+              </a:buClr>
+              <a:buSzPct val="80000"/>
+              <a:buFont typeface="Arial" pitchFamily="34" charset="0"/>
+              <a:buChar char="•"/>
+            </a:pPr>
+            <a:r>
+              <a:rPr lang="en-US" kern="0" dirty="0" smtClean="0">
+                <a:ea typeface="Arial Unicode MS" pitchFamily="34" charset="-128"/>
+                <a:cs typeface="Arial Unicode MS" pitchFamily="34" charset="-128"/>
+              </a:rPr>
+              <a:t>Note: An alert will go off upon successful creation.</a:t>
+            </a:r>
+          </a:p>
+          <a:p>
+            <a:pPr marL="1200150" lvl="2" indent="-285750" fontAlgn="base">
+              <a:spcBef>
+                <a:spcPct val="50000"/>
+              </a:spcBef>
+              <a:spcAft>
+                <a:spcPct val="0"/>
+              </a:spcAft>
+              <a:buClr>
+                <a:srgbClr val="F0AB00"/>
+              </a:buClr>
+              <a:buFont typeface="Arial" pitchFamily="34" charset="0"/>
+              <a:buChar char="•"/>
+            </a:pPr>
+            <a:r>
+              <a:rPr lang="en-US" kern="0" dirty="0" smtClean="0">
+                <a:ea typeface="Arial Unicode MS" pitchFamily="34" charset="-128"/>
+                <a:cs typeface="Arial Unicode MS" pitchFamily="34" charset="-128"/>
+              </a:rPr>
+              <a:t>If you click create and an alert does not go off, contact the system administrator </a:t>
+            </a:r>
+            <a:endParaRPr lang="en-US" kern="0" dirty="0" smtClean="0">
+              <a:ea typeface="Arial Unicode MS" pitchFamily="34" charset="-128"/>
+              <a:cs typeface="Arial Unicode MS" pitchFamily="34" charset="-128"/>
+            </a:endParaRPr>
+          </a:p>
+        </p:txBody>
+      </p:sp>
+      <p:grpSp>
+        <p:nvGrpSpPr>
+          <p:cNvPr id="18" name="Group 17"/>
+          <p:cNvGrpSpPr/>
+          <p:nvPr/>
+        </p:nvGrpSpPr>
+        <p:grpSpPr>
+          <a:xfrm>
+            <a:off x="589660" y="2391579"/>
+            <a:ext cx="5896598" cy="1576077"/>
+            <a:chOff x="589660" y="2391579"/>
+            <a:chExt cx="5896598" cy="1576077"/>
+          </a:xfrm>
+        </p:grpSpPr>
+        <p:pic>
+          <p:nvPicPr>
+            <p:cNvPr id="5" name="Picture 4"/>
+            <p:cNvPicPr>
+              <a:picLocks noChangeAspect="1"/>
+            </p:cNvPicPr>
+            <p:nvPr/>
+          </p:nvPicPr>
+          <p:blipFill>
+            <a:blip r:embed="rId3">
+              <a:extLst>
+                <a:ext uri="{28A0092B-C50C-407E-A947-70E740481C1C}">
+                  <a14:useLocalDpi xmlns:a14="http://schemas.microsoft.com/office/drawing/2010/main" val="0"/>
+                </a:ext>
+              </a:extLst>
+            </a:blip>
+            <a:stretch>
+              <a:fillRect/>
+            </a:stretch>
+          </p:blipFill>
+          <p:spPr>
+            <a:xfrm>
+              <a:off x="589660" y="2391579"/>
+              <a:ext cx="5896598" cy="1576077"/>
+            </a:xfrm>
+            <a:prstGeom prst="rect">
+              <a:avLst/>
+            </a:prstGeom>
+          </p:spPr>
+        </p:pic>
+        <p:sp>
+          <p:nvSpPr>
+            <p:cNvPr id="12" name="Left-Right Arrow 11"/>
+            <p:cNvSpPr/>
+            <p:nvPr/>
+          </p:nvSpPr>
+          <p:spPr bwMode="gray">
+            <a:xfrm>
+              <a:off x="2529555" y="2516737"/>
+              <a:ext cx="3426864" cy="128186"/>
+            </a:xfrm>
+            <a:prstGeom prst="leftRightArrow">
+              <a:avLst/>
+            </a:prstGeom>
+            <a:solidFill>
+              <a:schemeClr val="accent1"/>
+            </a:solidFill>
+            <a:ln w="6350" algn="ctr">
+              <a:noFill/>
+              <a:miter lim="800000"/>
+              <a:headEnd/>
+              <a:tailEnd/>
+            </a:ln>
+          </p:spPr>
+          <p:txBody>
+            <a:bodyPr lIns="90000" tIns="72000" rIns="90000" bIns="72000" rtlCol="0" anchor="ctr"/>
+            <a:lstStyle/>
+            <a:p>
+              <a:pPr marR="0" algn="ctr" defTabSz="914400" eaLnBrk="1" fontAlgn="base" latinLnBrk="0" hangingPunct="1">
+                <a:lnSpc>
+                  <a:spcPct val="100000"/>
+                </a:lnSpc>
+                <a:spcBef>
+                  <a:spcPct val="50000"/>
+                </a:spcBef>
+                <a:spcAft>
+                  <a:spcPct val="0"/>
+                </a:spcAft>
+                <a:buClr>
+                  <a:srgbClr val="F0AB00"/>
+                </a:buClr>
+                <a:buSzPct val="80000"/>
+                <a:tabLst/>
+              </a:pPr>
+              <a:endParaRPr kumimoji="0" lang="en-US" b="0" i="0" u="none" strike="noStrike" kern="0" cap="none" spc="0" normalizeH="0" baseline="0" noProof="0" dirty="0" smtClean="0">
+                <a:ln>
+                  <a:noFill/>
+                </a:ln>
+                <a:effectLst/>
+                <a:uLnTx/>
+                <a:uFillTx/>
+                <a:ea typeface="Arial Unicode MS" pitchFamily="34" charset="-128"/>
+                <a:cs typeface="Arial Unicode MS" pitchFamily="34" charset="-128"/>
+              </a:endParaRPr>
+            </a:p>
+          </p:txBody>
+        </p:sp>
+        <p:sp>
+          <p:nvSpPr>
+            <p:cNvPr id="13" name="Left-Right Arrow 12"/>
+            <p:cNvSpPr/>
+            <p:nvPr/>
+          </p:nvSpPr>
+          <p:spPr bwMode="gray">
+            <a:xfrm>
+              <a:off x="2529555" y="2733230"/>
+              <a:ext cx="3426864" cy="128186"/>
+            </a:xfrm>
+            <a:prstGeom prst="leftRightArrow">
+              <a:avLst/>
+            </a:prstGeom>
+            <a:solidFill>
+              <a:schemeClr val="accent1"/>
+            </a:solidFill>
+            <a:ln w="6350" algn="ctr">
+              <a:noFill/>
+              <a:miter lim="800000"/>
+              <a:headEnd/>
+              <a:tailEnd/>
+            </a:ln>
+          </p:spPr>
+          <p:txBody>
+            <a:bodyPr lIns="90000" tIns="72000" rIns="90000" bIns="72000" rtlCol="0" anchor="ctr"/>
+            <a:lstStyle/>
+            <a:p>
+              <a:pPr marR="0" algn="ctr" defTabSz="914400" eaLnBrk="1" fontAlgn="base" latinLnBrk="0" hangingPunct="1">
+                <a:lnSpc>
+                  <a:spcPct val="100000"/>
+                </a:lnSpc>
+                <a:spcBef>
+                  <a:spcPct val="50000"/>
+                </a:spcBef>
+                <a:spcAft>
+                  <a:spcPct val="0"/>
+                </a:spcAft>
+                <a:buClr>
+                  <a:srgbClr val="F0AB00"/>
+                </a:buClr>
+                <a:buSzPct val="80000"/>
+                <a:tabLst/>
+              </a:pPr>
+              <a:endParaRPr kumimoji="0" lang="en-US" b="0" i="0" u="none" strike="noStrike" kern="0" cap="none" spc="0" normalizeH="0" baseline="0" noProof="0" dirty="0" smtClean="0">
+                <a:ln>
+                  <a:noFill/>
+                </a:ln>
+                <a:effectLst/>
+                <a:uLnTx/>
+                <a:uFillTx/>
+                <a:ea typeface="Arial Unicode MS" pitchFamily="34" charset="-128"/>
+                <a:cs typeface="Arial Unicode MS" pitchFamily="34" charset="-128"/>
+              </a:endParaRPr>
+            </a:p>
+          </p:txBody>
+        </p:sp>
+        <p:sp>
+          <p:nvSpPr>
+            <p:cNvPr id="14" name="Left-Right Arrow 13"/>
+            <p:cNvSpPr/>
+            <p:nvPr/>
+          </p:nvSpPr>
+          <p:spPr bwMode="gray">
+            <a:xfrm>
+              <a:off x="5647346" y="3037317"/>
+              <a:ext cx="394531" cy="87594"/>
+            </a:xfrm>
+            <a:prstGeom prst="leftRightArrow">
+              <a:avLst/>
+            </a:prstGeom>
+            <a:solidFill>
+              <a:schemeClr val="accent1"/>
+            </a:solidFill>
+            <a:ln w="6350" algn="ctr">
+              <a:noFill/>
+              <a:miter lim="800000"/>
+              <a:headEnd/>
+              <a:tailEnd/>
+            </a:ln>
+          </p:spPr>
+          <p:txBody>
+            <a:bodyPr lIns="90000" tIns="72000" rIns="90000" bIns="72000" rtlCol="0" anchor="ctr"/>
+            <a:lstStyle/>
+            <a:p>
+              <a:pPr marR="0" algn="ctr" defTabSz="914400" eaLnBrk="1" fontAlgn="base" latinLnBrk="0" hangingPunct="1">
+                <a:lnSpc>
+                  <a:spcPct val="100000"/>
+                </a:lnSpc>
+                <a:spcBef>
+                  <a:spcPct val="50000"/>
+                </a:spcBef>
+                <a:spcAft>
+                  <a:spcPct val="0"/>
+                </a:spcAft>
+                <a:buClr>
+                  <a:srgbClr val="F0AB00"/>
+                </a:buClr>
+                <a:buSzPct val="80000"/>
+                <a:tabLst/>
+              </a:pPr>
+              <a:endParaRPr kumimoji="0" lang="en-US" b="0" i="0" u="none" strike="noStrike" kern="0" cap="none" spc="0" normalizeH="0" baseline="0" noProof="0" dirty="0" smtClean="0">
+                <a:ln>
+                  <a:noFill/>
+                </a:ln>
+                <a:effectLst/>
+                <a:uLnTx/>
+                <a:uFillTx/>
+                <a:ea typeface="Arial Unicode MS" pitchFamily="34" charset="-128"/>
+                <a:cs typeface="Arial Unicode MS" pitchFamily="34" charset="-128"/>
+              </a:endParaRPr>
+            </a:p>
+          </p:txBody>
+        </p:sp>
+        <p:sp>
+          <p:nvSpPr>
+            <p:cNvPr id="16" name="Left-Right Arrow 15"/>
+            <p:cNvSpPr/>
+            <p:nvPr/>
+          </p:nvSpPr>
+          <p:spPr bwMode="gray">
+            <a:xfrm>
+              <a:off x="5647346" y="3374032"/>
+              <a:ext cx="394531" cy="87594"/>
+            </a:xfrm>
+            <a:prstGeom prst="leftRightArrow">
+              <a:avLst/>
+            </a:prstGeom>
+            <a:solidFill>
+              <a:schemeClr val="accent1"/>
+            </a:solidFill>
+            <a:ln w="6350" algn="ctr">
+              <a:noFill/>
+              <a:miter lim="800000"/>
+              <a:headEnd/>
+              <a:tailEnd/>
+            </a:ln>
+          </p:spPr>
+          <p:txBody>
+            <a:bodyPr lIns="90000" tIns="72000" rIns="90000" bIns="72000" rtlCol="0" anchor="ctr"/>
+            <a:lstStyle/>
+            <a:p>
+              <a:pPr marR="0" algn="ctr" defTabSz="914400" eaLnBrk="1" fontAlgn="base" latinLnBrk="0" hangingPunct="1">
+                <a:lnSpc>
+                  <a:spcPct val="100000"/>
+                </a:lnSpc>
+                <a:spcBef>
+                  <a:spcPct val="50000"/>
+                </a:spcBef>
+                <a:spcAft>
+                  <a:spcPct val="0"/>
+                </a:spcAft>
+                <a:buClr>
+                  <a:srgbClr val="F0AB00"/>
+                </a:buClr>
+                <a:buSzPct val="80000"/>
+                <a:tabLst/>
+              </a:pPr>
+              <a:endParaRPr kumimoji="0" lang="en-US" b="0" i="0" u="none" strike="noStrike" kern="0" cap="none" spc="0" normalizeH="0" baseline="0" noProof="0" dirty="0" smtClean="0">
+                <a:ln>
+                  <a:noFill/>
+                </a:ln>
+                <a:effectLst/>
+                <a:uLnTx/>
+                <a:uFillTx/>
+                <a:ea typeface="Arial Unicode MS" pitchFamily="34" charset="-128"/>
+                <a:cs typeface="Arial Unicode MS" pitchFamily="34" charset="-128"/>
+              </a:endParaRPr>
+            </a:p>
+          </p:txBody>
+        </p:sp>
+      </p:grpSp>
       <p:pic>
         <p:nvPicPr>
-          <p:cNvPr id="5" name="Picture 4"/>
+          <p:cNvPr id="17" name="Picture 16"/>
           <p:cNvPicPr>
             <a:picLocks noChangeAspect="1"/>
           </p:cNvPicPr>
           <p:nvPr/>
         </p:nvPicPr>
         <p:blipFill>
-          <a:blip r:embed="rId3">
+          <a:blip r:embed="rId4">
             <a:extLst>
               <a:ext uri="{28A0092B-C50C-407E-A947-70E740481C1C}">
                 <a14:useLocalDpi xmlns:a14="http://schemas.microsoft.com/office/drawing/2010/main" val="0"/>
@@ -9197,62 +10616,14 @@
         </p:blipFill>
         <p:spPr>
           <a:xfrm>
-            <a:off x="589660" y="2391579"/>
-            <a:ext cx="5896598" cy="1576077"/>
+            <a:off x="6591623" y="2861416"/>
+            <a:ext cx="1928534" cy="697995"/>
           </a:xfrm>
           <a:prstGeom prst="rect">
             <a:avLst/>
           </a:prstGeom>
         </p:spPr>
       </p:pic>
-      <p:sp>
-        <p:nvSpPr>
-          <p:cNvPr id="10" name="TextBox 9"/>
-          <p:cNvSpPr txBox="1"/>
-          <p:nvPr/>
-        </p:nvSpPr>
-        <p:spPr>
-          <a:xfrm>
-            <a:off x="418744" y="4170348"/>
-            <a:ext cx="5400942" cy="1107996"/>
-          </a:xfrm>
-          <a:prstGeom prst="rect">
-            <a:avLst/>
-          </a:prstGeom>
-          <a:noFill/>
-        </p:spPr>
-        <p:txBody>
-          <a:bodyPr wrap="square" lIns="0" tIns="0" rIns="0" bIns="0" rtlCol="0">
-            <a:spAutoFit/>
-          </a:bodyPr>
-          <a:lstStyle/>
-          <a:p>
-            <a:pPr fontAlgn="base">
-              <a:spcBef>
-                <a:spcPct val="50000"/>
-              </a:spcBef>
-              <a:spcAft>
-                <a:spcPct val="0"/>
-              </a:spcAft>
-              <a:buClr>
-                <a:srgbClr val="F0AB00"/>
-              </a:buClr>
-              <a:buSzPct val="80000"/>
-            </a:pPr>
-            <a:r>
-              <a:rPr lang="en-US" sz="1800" kern="0" dirty="0" smtClean="0">
-                <a:ea typeface="Arial Unicode MS" pitchFamily="34" charset="-128"/>
-                <a:cs typeface="Arial Unicode MS" pitchFamily="34" charset="-128"/>
-              </a:rPr>
-              <a:t>Note: Although the ‘create’ buttons are designed to refresh the exam/section/question/answer lists, the AJAX call has been shown to be error prone on Mozilla Browsers as well as IE.</a:t>
-            </a:r>
-            <a:endParaRPr lang="en-US" sz="1800" kern="0" dirty="0" smtClean="0">
-              <a:ea typeface="Arial Unicode MS" pitchFamily="34" charset="-128"/>
-              <a:cs typeface="Arial Unicode MS" pitchFamily="34" charset="-128"/>
-            </a:endParaRPr>
-          </a:p>
-        </p:txBody>
-      </p:sp>
     </p:spTree>
     <p:extLst>
       <p:ext uri="{BB962C8B-B14F-4D97-AF65-F5344CB8AC3E}">
@@ -9307,8 +10678,8 @@
           <a:lstStyle/>
           <a:p>
             <a:r>
-              <a:rPr lang="en-US" dirty="0" smtClean="0"/>
-              <a:t>The Managers</a:t>
+              <a:rPr lang="en-US" sz="2000" b="0" dirty="0" smtClean="0"/>
+              <a:t>Exam Objects</a:t>
             </a:r>
             <a:endParaRPr lang="en-US" sz="2000" b="0" dirty="0"/>
           </a:p>
@@ -9337,15 +10708,132 @@
             <a:pPr lvl="0"/>
             <a:r>
               <a:rPr lang="en-US" dirty="0" smtClean="0"/>
-              <a:t>Once your exams, sections, etc.. Have been created, you can associate them together using the provided managers.</a:t>
+              <a:t>It is necessary to understand how the systems objects (exams, sections, etc..) are related to one another in order to create proper exams.</a:t>
             </a:r>
             <a:endParaRPr lang="en-US" dirty="0" smtClean="0"/>
+          </a:p>
+        </p:txBody>
+      </p:sp>
+      <p:sp>
+        <p:nvSpPr>
+          <p:cNvPr id="4" name="TextBox 3"/>
+          <p:cNvSpPr txBox="1"/>
+          <p:nvPr/>
+        </p:nvSpPr>
+        <p:spPr>
+          <a:xfrm>
+            <a:off x="3717421" y="2418460"/>
+            <a:ext cx="4802736" cy="2908489"/>
+          </a:xfrm>
+          <a:prstGeom prst="rect">
+            <a:avLst/>
+          </a:prstGeom>
+          <a:noFill/>
+        </p:spPr>
+        <p:txBody>
+          <a:bodyPr wrap="square" lIns="0" tIns="0" rIns="0" bIns="0" rtlCol="0">
+            <a:spAutoFit/>
+          </a:bodyPr>
+          <a:lstStyle/>
+          <a:p>
+            <a:pPr marL="285750" indent="-285750" fontAlgn="base">
+              <a:spcBef>
+                <a:spcPct val="50000"/>
+              </a:spcBef>
+              <a:spcAft>
+                <a:spcPct val="0"/>
+              </a:spcAft>
+              <a:buClr>
+                <a:srgbClr val="F0AB00"/>
+              </a:buClr>
+              <a:buSzPct val="80000"/>
+              <a:buFont typeface="Arial" pitchFamily="34" charset="0"/>
+              <a:buChar char="•"/>
+            </a:pPr>
+            <a:r>
+              <a:rPr lang="en-US" kern="0" dirty="0" smtClean="0">
+                <a:ea typeface="Arial Unicode MS" pitchFamily="34" charset="-128"/>
+                <a:cs typeface="Arial Unicode MS" pitchFamily="34" charset="-128"/>
+              </a:rPr>
+              <a:t>Every exam can be linked with 0-many sections</a:t>
+            </a:r>
+          </a:p>
+          <a:p>
+            <a:pPr marL="285750" indent="-285750" fontAlgn="base">
+              <a:spcBef>
+                <a:spcPct val="50000"/>
+              </a:spcBef>
+              <a:spcAft>
+                <a:spcPct val="0"/>
+              </a:spcAft>
+              <a:buClr>
+                <a:srgbClr val="F0AB00"/>
+              </a:buClr>
+              <a:buSzPct val="80000"/>
+              <a:buFont typeface="Arial" pitchFamily="34" charset="0"/>
+              <a:buChar char="•"/>
+            </a:pPr>
+            <a:r>
+              <a:rPr lang="en-US" kern="0" dirty="0" smtClean="0">
+                <a:ea typeface="Arial Unicode MS" pitchFamily="34" charset="-128"/>
+                <a:cs typeface="Arial Unicode MS" pitchFamily="34" charset="-128"/>
+              </a:rPr>
+              <a:t>Each section can be linked with multiple questions</a:t>
+            </a:r>
+          </a:p>
+          <a:p>
+            <a:pPr marL="285750" indent="-285750" fontAlgn="base">
+              <a:spcBef>
+                <a:spcPct val="50000"/>
+              </a:spcBef>
+              <a:spcAft>
+                <a:spcPct val="0"/>
+              </a:spcAft>
+              <a:buClr>
+                <a:srgbClr val="F0AB00"/>
+              </a:buClr>
+              <a:buSzPct val="80000"/>
+              <a:buFont typeface="Arial" pitchFamily="34" charset="0"/>
+              <a:buChar char="•"/>
+            </a:pPr>
+            <a:r>
+              <a:rPr lang="en-US" dirty="0" smtClean="0"/>
+              <a:t>Each question associated to any given section will be associated with an answer</a:t>
+            </a:r>
+          </a:p>
+          <a:p>
+            <a:pPr marL="742950" lvl="1" indent="-285750" fontAlgn="base">
+              <a:spcBef>
+                <a:spcPct val="50000"/>
+              </a:spcBef>
+              <a:spcAft>
+                <a:spcPct val="0"/>
+              </a:spcAft>
+              <a:buClr>
+                <a:srgbClr val="F0AB00"/>
+              </a:buClr>
+              <a:buSzPct val="80000"/>
+              <a:buFont typeface="Arial" pitchFamily="34" charset="0"/>
+              <a:buChar char="•"/>
+            </a:pPr>
+            <a:r>
+              <a:rPr lang="en-US" dirty="0" smtClean="0"/>
+              <a:t>This means that the same question existing in 2 different section can have differing answers</a:t>
+            </a:r>
+            <a:r>
+              <a:rPr lang="en-US" dirty="0"/>
+              <a:t> </a:t>
+            </a:r>
+            <a:endParaRPr lang="en-US" kern="0" dirty="0" smtClean="0">
+              <a:ea typeface="Arial Unicode MS" pitchFamily="34" charset="-128"/>
+              <a:cs typeface="Arial Unicode MS" pitchFamily="34" charset="-128"/>
+            </a:endParaRPr>
           </a:p>
         </p:txBody>
       </p:sp>
       <p:pic>
         <p:nvPicPr>
-          <p:cNvPr id="4" name="Picture 3"/>
+          <p:cNvPr id="6" name="Picture 5"/>
           <p:cNvPicPr>
             <a:picLocks noChangeAspect="1"/>
           </p:cNvPicPr>
@@ -9365,76 +10853,37 @@
         </p:blipFill>
         <p:spPr>
           <a:xfrm>
-            <a:off x="418744" y="2330399"/>
-            <a:ext cx="4811564" cy="1602222"/>
+            <a:off x="367468" y="2418460"/>
+            <a:ext cx="3233919" cy="2615013"/>
           </a:xfrm>
           <a:prstGeom prst="rect">
             <a:avLst/>
           </a:prstGeom>
         </p:spPr>
       </p:pic>
-      <p:pic>
-        <p:nvPicPr>
-          <p:cNvPr id="6" name="Picture 5"/>
-          <p:cNvPicPr>
-            <a:picLocks noChangeAspect="1"/>
-          </p:cNvPicPr>
+      <p:sp>
+        <p:nvSpPr>
+          <p:cNvPr id="7" name="TextBox 6"/>
+          <p:cNvSpPr txBox="1"/>
           <p:nvPr/>
-        </p:nvPicPr>
-        <p:blipFill>
-          <a:blip r:embed="rId4">
-            <a:extLst>
-              <a:ext uri="{28A0092B-C50C-407E-A947-70E740481C1C}">
-                <a14:useLocalDpi xmlns:a14="http://schemas.microsoft.com/office/drawing/2010/main" val="0"/>
-              </a:ext>
-            </a:extLst>
-          </a:blip>
-          <a:stretch>
-            <a:fillRect/>
-          </a:stretch>
-        </p:blipFill>
+        </p:nvSpPr>
         <p:spPr>
           <a:xfrm>
-            <a:off x="418744" y="4178893"/>
-            <a:ext cx="4811564" cy="2102574"/>
+            <a:off x="367468" y="5326949"/>
+            <a:ext cx="8152689" cy="1107996"/>
           </a:xfrm>
           <a:prstGeom prst="rect">
             <a:avLst/>
           </a:prstGeom>
+          <a:noFill/>
         </p:spPr>
-      </p:pic>
-      <p:sp>
-        <p:nvSpPr>
-          <p:cNvPr id="13" name="Down Arrow 12"/>
-          <p:cNvSpPr/>
-          <p:nvPr/>
-        </p:nvSpPr>
-        <p:spPr bwMode="gray">
-          <a:xfrm>
-            <a:off x="2657742" y="3341406"/>
-            <a:ext cx="166784" cy="940037"/>
-          </a:xfrm>
-          <a:prstGeom prst="downArrow">
-            <a:avLst/>
-          </a:prstGeom>
-          <a:solidFill>
-            <a:schemeClr val="accent1"/>
-          </a:solidFill>
-          <a:ln w="6350" algn="ctr">
-            <a:noFill/>
-            <a:miter lim="800000"/>
-            <a:headEnd/>
-            <a:tailEnd/>
-          </a:ln>
-        </p:spPr>
-        <p:txBody>
-          <a:bodyPr lIns="90000" tIns="72000" rIns="90000" bIns="72000" rtlCol="0" anchor="ctr"/>
+        <p:txBody>
+          <a:bodyPr wrap="square" lIns="0" tIns="0" rIns="0" bIns="0" rtlCol="0">
+            <a:spAutoFit/>
+          </a:bodyPr>
           <a:lstStyle/>
           <a:p>
-            <a:pPr marR="0" algn="ctr" defTabSz="914400" eaLnBrk="1" fontAlgn="base" latinLnBrk="0" hangingPunct="1">
-              <a:lnSpc>
-                <a:spcPct val="100000"/>
-              </a:lnSpc>
+            <a:pPr fontAlgn="base">
               <a:spcBef>
                 <a:spcPct val="50000"/>
               </a:spcBef>
@@ -9445,44 +10894,17 @@
                 <a:srgbClr val="F0AB00"/>
               </a:buClr>
               <a:buSzPct val="80000"/>
-              <a:tabLst/>
             </a:pPr>
-            <a:endParaRPr kumimoji="0" lang="en-US" b="0" i="0" u="none" strike="noStrike" kern="0" cap="none" spc="0" normalizeH="0" baseline="0" noProof="0" dirty="0" smtClean="0">
-              <a:ln>
-                <a:noFill/>
-              </a:ln>
-              <a:effectLst/>
-              <a:uLnTx/>
-              <a:uFillTx/>
-              <a:ea typeface="Arial Unicode MS" pitchFamily="34" charset="-128"/>
-              <a:cs typeface="Arial Unicode MS" pitchFamily="34" charset="-128"/>
-            </a:endParaRPr>
-          </a:p>
-        </p:txBody>
-      </p:sp>
-      <p:sp>
-        <p:nvSpPr>
-          <p:cNvPr id="14" name="TextBox 13"/>
-          <p:cNvSpPr txBox="1"/>
-          <p:nvPr/>
-        </p:nvSpPr>
-        <p:spPr>
-          <a:xfrm>
-            <a:off x="5409488" y="2330399"/>
-            <a:ext cx="3136306" cy="3600986"/>
-          </a:xfrm>
-          <a:prstGeom prst="rect">
-            <a:avLst/>
-          </a:prstGeom>
-          <a:noFill/>
-        </p:spPr>
-        <p:txBody>
-          <a:bodyPr wrap="square" lIns="0" tIns="0" rIns="0" bIns="0" rtlCol="0">
-            <a:spAutoFit/>
-          </a:bodyPr>
-          <a:lstStyle/>
-          <a:p>
-            <a:pPr marL="285750" indent="-285750" fontAlgn="base">
+            <a:r>
+              <a:rPr lang="en-US" sz="1800" kern="0" dirty="0" smtClean="0">
+                <a:ea typeface="Arial Unicode MS" pitchFamily="34" charset="-128"/>
+                <a:cs typeface="Arial Unicode MS" pitchFamily="34" charset="-128"/>
+              </a:rPr>
+              <a:t>Example:</a:t>
+            </a:r>
+          </a:p>
+          <a:p>
+            <a:pPr fontAlgn="base">
               <a:spcBef>
                 <a:spcPct val="50000"/>
               </a:spcBef>
@@ -9493,19 +10915,17 @@
                 <a:srgbClr val="F0AB00"/>
               </a:buClr>
               <a:buSzPct val="80000"/>
-              <a:buFont typeface="Arial" pitchFamily="34" charset="0"/>
-              <a:buChar char="•"/>
             </a:pPr>
             <a:r>
               <a:rPr lang="en-US" kern="0" dirty="0" smtClean="0">
                 <a:ea typeface="Arial Unicode MS" pitchFamily="34" charset="-128"/>
                 <a:cs typeface="Arial Unicode MS" pitchFamily="34" charset="-128"/>
               </a:rPr>
-              <a:t>Select an exam to edit</a:t>
-            </a:r>
-          </a:p>
-          <a:p>
-            <a:pPr marL="285750" indent="-285750" fontAlgn="base">
+              <a:t>Question: Is this absence of color black or white?</a:t>
+            </a:r>
+          </a:p>
+          <a:p>
+            <a:pPr fontAlgn="base">
               <a:spcBef>
                 <a:spcPct val="50000"/>
               </a:spcBef>
@@ -9516,106 +10936,25 @@
                 <a:srgbClr val="F0AB00"/>
               </a:buClr>
               <a:buSzPct val="80000"/>
-              <a:buFont typeface="Arial" pitchFamily="34" charset="0"/>
-              <a:buChar char="•"/>
             </a:pPr>
             <a:r>
               <a:rPr lang="en-US" kern="0" dirty="0" smtClean="0">
                 <a:ea typeface="Arial Unicode MS" pitchFamily="34" charset="-128"/>
                 <a:cs typeface="Arial Unicode MS" pitchFamily="34" charset="-128"/>
               </a:rPr>
-              <a:t>The exam will automatically load</a:t>
-            </a:r>
-          </a:p>
-          <a:p>
-            <a:pPr marL="285750" indent="-285750" fontAlgn="base">
-              <a:spcBef>
-                <a:spcPct val="50000"/>
-              </a:spcBef>
-              <a:spcAft>
-                <a:spcPct val="0"/>
-              </a:spcAft>
-              <a:buClr>
-                <a:srgbClr val="F0AB00"/>
-              </a:buClr>
-              <a:buSzPct val="80000"/>
-              <a:buFont typeface="Arial" pitchFamily="34" charset="0"/>
-              <a:buChar char="•"/>
-            </a:pPr>
-            <a:r>
-              <a:rPr lang="en-US" kern="0" dirty="0" smtClean="0">
-                <a:ea typeface="Arial Unicode MS" pitchFamily="34" charset="-128"/>
-                <a:cs typeface="Arial Unicode MS" pitchFamily="34" charset="-128"/>
-              </a:rPr>
-              <a:t>It will display all in/excluded sections</a:t>
-            </a:r>
-          </a:p>
-          <a:p>
-            <a:pPr marL="285750" indent="-285750" fontAlgn="base">
-              <a:spcBef>
-                <a:spcPct val="50000"/>
-              </a:spcBef>
-              <a:spcAft>
-                <a:spcPct val="0"/>
-              </a:spcAft>
-              <a:buClr>
-                <a:srgbClr val="F0AB00"/>
-              </a:buClr>
-              <a:buSzPct val="80000"/>
-              <a:buFont typeface="Arial" pitchFamily="34" charset="0"/>
-              <a:buChar char="•"/>
-            </a:pPr>
-            <a:r>
-              <a:rPr lang="en-US" kern="0" dirty="0" smtClean="0">
-                <a:ea typeface="Arial Unicode MS" pitchFamily="34" charset="-128"/>
-                <a:cs typeface="Arial Unicode MS" pitchFamily="34" charset="-128"/>
-              </a:rPr>
-              <a:t>The green edit button allows you to load an </a:t>
-            </a:r>
-            <a:r>
-              <a:rPr lang="en-US" kern="0" dirty="0" err="1" smtClean="0">
-                <a:ea typeface="Arial Unicode MS" pitchFamily="34" charset="-128"/>
-                <a:cs typeface="Arial Unicode MS" pitchFamily="34" charset="-128"/>
-              </a:rPr>
-              <a:t>iframe</a:t>
-            </a:r>
-            <a:r>
-              <a:rPr lang="en-US" kern="0" dirty="0" smtClean="0">
-                <a:ea typeface="Arial Unicode MS" pitchFamily="34" charset="-128"/>
-                <a:cs typeface="Arial Unicode MS" pitchFamily="34" charset="-128"/>
-              </a:rPr>
-              <a:t> containing the manager of that particular section</a:t>
-            </a:r>
-          </a:p>
-          <a:p>
-            <a:pPr marL="285750" indent="-285750" fontAlgn="base">
-              <a:spcBef>
-                <a:spcPct val="50000"/>
-              </a:spcBef>
-              <a:spcAft>
-                <a:spcPct val="0"/>
-              </a:spcAft>
-              <a:buClr>
-                <a:srgbClr val="F0AB00"/>
-              </a:buClr>
-              <a:buSzPct val="80000"/>
-              <a:buFont typeface="Arial" pitchFamily="34" charset="0"/>
-              <a:buChar char="•"/>
-            </a:pPr>
-            <a:r>
-              <a:rPr lang="en-US" kern="0" dirty="0" smtClean="0">
-                <a:ea typeface="Arial Unicode MS" pitchFamily="34" charset="-128"/>
-                <a:cs typeface="Arial Unicode MS" pitchFamily="34" charset="-128"/>
-              </a:rPr>
-              <a:t>The orange button will allow you to edit the section title</a:t>
-            </a:r>
+              <a:t>The answer would depend on the section; if physics, black, if art, white</a:t>
+            </a:r>
+            <a:endParaRPr lang="en-US" sz="1800" kern="0" dirty="0" smtClean="0">
+              <a:ea typeface="Arial Unicode MS" pitchFamily="34" charset="-128"/>
+              <a:cs typeface="Arial Unicode MS" pitchFamily="34" charset="-128"/>
+            </a:endParaRPr>
           </a:p>
         </p:txBody>
       </p:sp>
     </p:spTree>
     <p:extLst>
       <p:ext uri="{BB962C8B-B14F-4D97-AF65-F5344CB8AC3E}">
-        <p14:creationId xmlns:p14="http://schemas.microsoft.com/office/powerpoint/2010/main" val="3442243570"/>
+        <p14:creationId xmlns:p14="http://schemas.microsoft.com/office/powerpoint/2010/main" val="3553402837"/>
       </p:ext>
     </p:extLst>
   </p:cSld>
@@ -9667,7 +11006,7 @@
           <a:p>
             <a:r>
               <a:rPr lang="en-US" dirty="0" smtClean="0"/>
-              <a:t>Big Edits</a:t>
+              <a:t>The Managers</a:t>
             </a:r>
             <a:endParaRPr lang="en-US" sz="2000" b="0" dirty="0"/>
           </a:p>
@@ -9696,12 +11035,158 @@
             <a:pPr lvl="0"/>
             <a:r>
               <a:rPr lang="en-US" dirty="0" smtClean="0"/>
-              <a:t>If you require to do an a larger edit to a particular question/answer, you can the actual editor panel to so.</a:t>
-            </a:r>
-            <a:endParaRPr lang="en-US" dirty="0" smtClean="0"/>
-          </a:p>
-        </p:txBody>
-      </p:sp>
+              <a:t>Once your exams, sections, etc.. Have been created, you can associate them together using the provided managers.</a:t>
+            </a:r>
+          </a:p>
+        </p:txBody>
+      </p:sp>
+      <p:grpSp>
+        <p:nvGrpSpPr>
+          <p:cNvPr id="7" name="Group 6"/>
+          <p:cNvGrpSpPr/>
+          <p:nvPr/>
+        </p:nvGrpSpPr>
+        <p:grpSpPr>
+          <a:xfrm>
+            <a:off x="418744" y="2330399"/>
+            <a:ext cx="4324172" cy="4044764"/>
+            <a:chOff x="418744" y="2330399"/>
+            <a:chExt cx="4811564" cy="3951068"/>
+          </a:xfrm>
+        </p:grpSpPr>
+        <p:pic>
+          <p:nvPicPr>
+            <p:cNvPr id="6" name="Picture 5"/>
+            <p:cNvPicPr>
+              <a:picLocks noChangeAspect="1"/>
+            </p:cNvPicPr>
+            <p:nvPr/>
+          </p:nvPicPr>
+          <p:blipFill>
+            <a:blip r:embed="rId3">
+              <a:extLst>
+                <a:ext uri="{28A0092B-C50C-407E-A947-70E740481C1C}">
+                  <a14:useLocalDpi xmlns:a14="http://schemas.microsoft.com/office/drawing/2010/main" val="0"/>
+                </a:ext>
+              </a:extLst>
+            </a:blip>
+            <a:stretch>
+              <a:fillRect/>
+            </a:stretch>
+          </p:blipFill>
+          <p:spPr>
+            <a:xfrm>
+              <a:off x="418744" y="4178893"/>
+              <a:ext cx="4811564" cy="2102574"/>
+            </a:xfrm>
+            <a:prstGeom prst="rect">
+              <a:avLst/>
+            </a:prstGeom>
+          </p:spPr>
+        </p:pic>
+        <p:grpSp>
+          <p:nvGrpSpPr>
+            <p:cNvPr id="5" name="Group 4"/>
+            <p:cNvGrpSpPr/>
+            <p:nvPr/>
+          </p:nvGrpSpPr>
+          <p:grpSpPr>
+            <a:xfrm>
+              <a:off x="418744" y="2330399"/>
+              <a:ext cx="4811564" cy="1951044"/>
+              <a:chOff x="418744" y="2330399"/>
+              <a:chExt cx="4811564" cy="1951044"/>
+            </a:xfrm>
+          </p:grpSpPr>
+          <p:pic>
+            <p:nvPicPr>
+              <p:cNvPr id="4" name="Picture 3"/>
+              <p:cNvPicPr>
+                <a:picLocks noChangeAspect="1"/>
+              </p:cNvPicPr>
+              <p:nvPr/>
+            </p:nvPicPr>
+            <p:blipFill>
+              <a:blip r:embed="rId4">
+                <a:extLst>
+                  <a:ext uri="{28A0092B-C50C-407E-A947-70E740481C1C}">
+                    <a14:useLocalDpi xmlns:a14="http://schemas.microsoft.com/office/drawing/2010/main" val="0"/>
+                  </a:ext>
+                </a:extLst>
+              </a:blip>
+              <a:stretch>
+                <a:fillRect/>
+              </a:stretch>
+            </p:blipFill>
+            <p:spPr>
+              <a:xfrm>
+                <a:off x="418744" y="2330399"/>
+                <a:ext cx="4811564" cy="1602222"/>
+              </a:xfrm>
+              <a:prstGeom prst="rect">
+                <a:avLst/>
+              </a:prstGeom>
+            </p:spPr>
+          </p:pic>
+          <p:sp>
+            <p:nvSpPr>
+              <p:cNvPr id="13" name="Down Arrow 12"/>
+              <p:cNvSpPr/>
+              <p:nvPr/>
+            </p:nvSpPr>
+            <p:spPr bwMode="gray">
+              <a:xfrm>
+                <a:off x="2657742" y="3341406"/>
+                <a:ext cx="166784" cy="940037"/>
+              </a:xfrm>
+              <a:prstGeom prst="downArrow">
+                <a:avLst/>
+              </a:prstGeom>
+              <a:solidFill>
+                <a:schemeClr val="accent1"/>
+              </a:solidFill>
+              <a:ln w="6350" algn="ctr">
+                <a:noFill/>
+                <a:miter lim="800000"/>
+                <a:headEnd/>
+                <a:tailEnd/>
+              </a:ln>
+            </p:spPr>
+            <p:txBody>
+              <a:bodyPr lIns="90000" tIns="72000" rIns="90000" bIns="72000" rtlCol="0" anchor="ctr"/>
+              <a:lstStyle/>
+              <a:p>
+                <a:pPr marR="0" algn="ctr" defTabSz="914400" eaLnBrk="1" fontAlgn="base" latinLnBrk="0" hangingPunct="1">
+                  <a:lnSpc>
+                    <a:spcPct val="100000"/>
+                  </a:lnSpc>
+                  <a:spcBef>
+                    <a:spcPct val="50000"/>
+                  </a:spcBef>
+                  <a:spcAft>
+                    <a:spcPct val="0"/>
+                  </a:spcAft>
+                  <a:buClr>
+                    <a:srgbClr val="F0AB00"/>
+                  </a:buClr>
+                  <a:buSzPct val="80000"/>
+                  <a:tabLst/>
+                </a:pPr>
+                <a:endParaRPr kumimoji="0" lang="en-US" b="0" i="0" u="none" strike="noStrike" kern="0" cap="none" spc="0" normalizeH="0" baseline="0" noProof="0" dirty="0" smtClean="0">
+                  <a:ln>
+                    <a:noFill/>
+                  </a:ln>
+                  <a:effectLst/>
+                  <a:uLnTx/>
+                  <a:uFillTx/>
+                  <a:ea typeface="Arial Unicode MS" pitchFamily="34" charset="-128"/>
+                  <a:cs typeface="Arial Unicode MS" pitchFamily="34" charset="-128"/>
+                </a:endParaRPr>
+              </a:p>
+            </p:txBody>
+          </p:sp>
+        </p:grpSp>
+      </p:grpSp>
       <p:sp>
         <p:nvSpPr>
           <p:cNvPr id="14" name="TextBox 13"/>
@@ -9710,8 +11195,8 @@
         </p:nvSpPr>
         <p:spPr>
           <a:xfrm>
-            <a:off x="4930924" y="2492334"/>
-            <a:ext cx="3136306" cy="1800493"/>
+            <a:off x="4871103" y="2330399"/>
+            <a:ext cx="3802877" cy="3877985"/>
           </a:xfrm>
           <a:prstGeom prst="rect">
             <a:avLst/>
@@ -9743,7 +11228,7 @@
                 <a:ea typeface="Arial Unicode MS" pitchFamily="34" charset="-128"/>
                 <a:cs typeface="Arial Unicode MS" pitchFamily="34" charset="-128"/>
               </a:rPr>
-              <a:t>Select the type of entity you wish to edit</a:t>
+              <a:t>The managers give you a way to associated the created pools of entities to one another (as shown in the previous slide)</a:t>
             </a:r>
           </a:p>
           <a:p>
@@ -9766,7 +11251,7 @@
                 <a:ea typeface="Arial Unicode MS" pitchFamily="34" charset="-128"/>
                 <a:cs typeface="Arial Unicode MS" pitchFamily="34" charset="-128"/>
               </a:rPr>
-              <a:t>Select the actual entity</a:t>
+              <a:t>Once an entity is chosen, the associated objects will be listed.</a:t>
             </a:r>
           </a:p>
           <a:p>
@@ -9789,7 +11274,44 @@
                 <a:ea typeface="Arial Unicode MS" pitchFamily="34" charset="-128"/>
                 <a:cs typeface="Arial Unicode MS" pitchFamily="34" charset="-128"/>
               </a:rPr>
-              <a:t>Edit away</a:t>
+              <a:t>The green edit button will open a </a:t>
+            </a:r>
+            <a:r>
+              <a:rPr lang="en-US" kern="0" dirty="0" err="1" smtClean="0">
+                <a:ea typeface="Arial Unicode MS" pitchFamily="34" charset="-128"/>
+                <a:cs typeface="Arial Unicode MS" pitchFamily="34" charset="-128"/>
+              </a:rPr>
+              <a:t>lightbox</a:t>
+            </a:r>
+            <a:r>
+              <a:rPr lang="en-US" kern="0" dirty="0" smtClean="0">
+                <a:ea typeface="Arial Unicode MS" pitchFamily="34" charset="-128"/>
+                <a:cs typeface="Arial Unicode MS" pitchFamily="34" charset="-128"/>
+              </a:rPr>
+              <a:t> div containing the manager for that particular entity</a:t>
+            </a:r>
+          </a:p>
+          <a:p>
+            <a:pPr marL="285750" indent="-285750" fontAlgn="base">
+              <a:spcBef>
+                <a:spcPct val="50000"/>
+              </a:spcBef>
+              <a:spcAft>
+                <a:spcPct val="0"/>
+              </a:spcAft>
+              <a:buClr>
+                <a:srgbClr val="F0AB00"/>
+              </a:buClr>
+              <a:buSzPct val="80000"/>
+              <a:buFont typeface="Arial" pitchFamily="34" charset="0"/>
+              <a:buChar char="•"/>
+            </a:pPr>
+            <a:r>
+              <a:rPr lang="en-US" kern="0" dirty="0" smtClean="0">
+                <a:ea typeface="Arial Unicode MS" pitchFamily="34" charset="-128"/>
+                <a:cs typeface="Arial Unicode MS" pitchFamily="34" charset="-128"/>
+              </a:rPr>
+              <a:t>The orange edit buttons will load edit panels for quick text edits.</a:t>
             </a:r>
           </a:p>
           <a:p>
@@ -9814,232 +11336,10 @@
           </a:p>
         </p:txBody>
       </p:sp>
-      <p:pic>
-        <p:nvPicPr>
-          <p:cNvPr id="5" name="Picture 4"/>
-          <p:cNvPicPr>
-            <a:picLocks noChangeAspect="1"/>
-          </p:cNvPicPr>
-          <p:nvPr/>
-        </p:nvPicPr>
-        <p:blipFill>
-          <a:blip r:embed="rId3">
-            <a:extLst>
-              <a:ext uri="{28A0092B-C50C-407E-A947-70E740481C1C}">
-                <a14:useLocalDpi xmlns:a14="http://schemas.microsoft.com/office/drawing/2010/main" val="0"/>
-              </a:ext>
-            </a:extLst>
-          </a:blip>
-          <a:stretch>
-            <a:fillRect/>
-          </a:stretch>
-        </p:blipFill>
-        <p:spPr>
-          <a:xfrm>
-            <a:off x="365403" y="2492334"/>
-            <a:ext cx="3787853" cy="1010993"/>
-          </a:xfrm>
-          <a:prstGeom prst="rect">
-            <a:avLst/>
-          </a:prstGeom>
-        </p:spPr>
-      </p:pic>
-      <p:sp>
-        <p:nvSpPr>
-          <p:cNvPr id="7" name="Left Arrow 6"/>
-          <p:cNvSpPr/>
-          <p:nvPr/>
-        </p:nvSpPr>
-        <p:spPr bwMode="gray">
-          <a:xfrm>
-            <a:off x="2623559" y="2845750"/>
-            <a:ext cx="743484" cy="213644"/>
-          </a:xfrm>
-          <a:prstGeom prst="leftArrow">
-            <a:avLst/>
-          </a:prstGeom>
-          <a:solidFill>
-            <a:schemeClr val="accent1"/>
-          </a:solidFill>
-          <a:ln w="6350" algn="ctr">
-            <a:noFill/>
-            <a:miter lim="800000"/>
-            <a:headEnd/>
-            <a:tailEnd/>
-          </a:ln>
-        </p:spPr>
-        <p:txBody>
-          <a:bodyPr lIns="90000" tIns="72000" rIns="90000" bIns="72000" rtlCol="0" anchor="ctr"/>
-          <a:lstStyle/>
-          <a:p>
-            <a:pPr marR="0" algn="ctr" defTabSz="914400" eaLnBrk="1" fontAlgn="base" latinLnBrk="0" hangingPunct="1">
-              <a:lnSpc>
-                <a:spcPct val="100000"/>
-              </a:lnSpc>
-              <a:spcBef>
-                <a:spcPct val="50000"/>
-              </a:spcBef>
-              <a:spcAft>
-                <a:spcPct val="0"/>
-              </a:spcAft>
-              <a:buClr>
-                <a:srgbClr val="F0AB00"/>
-              </a:buClr>
-              <a:buSzPct val="80000"/>
-              <a:tabLst/>
-            </a:pPr>
-            <a:endParaRPr kumimoji="0" lang="en-US" b="0" i="0" u="none" strike="noStrike" kern="0" cap="none" spc="0" normalizeH="0" baseline="0" noProof="0" dirty="0" smtClean="0">
-              <a:ln>
-                <a:noFill/>
-              </a:ln>
-              <a:effectLst/>
-              <a:uLnTx/>
-              <a:uFillTx/>
-              <a:ea typeface="Arial Unicode MS" pitchFamily="34" charset="-128"/>
-              <a:cs typeface="Arial Unicode MS" pitchFamily="34" charset="-128"/>
-            </a:endParaRPr>
-          </a:p>
-        </p:txBody>
-      </p:sp>
-      <p:pic>
-        <p:nvPicPr>
-          <p:cNvPr id="8" name="Picture 7"/>
-          <p:cNvPicPr>
-            <a:picLocks noChangeAspect="1"/>
-          </p:cNvPicPr>
-          <p:nvPr/>
-        </p:nvPicPr>
-        <p:blipFill>
-          <a:blip r:embed="rId4">
-            <a:extLst>
-              <a:ext uri="{28A0092B-C50C-407E-A947-70E740481C1C}">
-                <a14:useLocalDpi xmlns:a14="http://schemas.microsoft.com/office/drawing/2010/main" val="0"/>
-              </a:ext>
-            </a:extLst>
-          </a:blip>
-          <a:stretch>
-            <a:fillRect/>
-          </a:stretch>
-        </p:blipFill>
-        <p:spPr>
-          <a:xfrm>
-            <a:off x="365402" y="4130892"/>
-            <a:ext cx="2828389" cy="1874067"/>
-          </a:xfrm>
-          <a:prstGeom prst="rect">
-            <a:avLst/>
-          </a:prstGeom>
-        </p:spPr>
-      </p:pic>
-      <p:sp>
-        <p:nvSpPr>
-          <p:cNvPr id="9" name="Down Arrow 8"/>
-          <p:cNvSpPr/>
-          <p:nvPr/>
-        </p:nvSpPr>
-        <p:spPr bwMode="gray">
-          <a:xfrm>
-            <a:off x="1444239" y="3503327"/>
-            <a:ext cx="205099" cy="538834"/>
-          </a:xfrm>
-          <a:prstGeom prst="downArrow">
-            <a:avLst/>
-          </a:prstGeom>
-          <a:solidFill>
-            <a:schemeClr val="accent1"/>
-          </a:solidFill>
-          <a:ln w="6350" algn="ctr">
-            <a:noFill/>
-            <a:miter lim="800000"/>
-            <a:headEnd/>
-            <a:tailEnd/>
-          </a:ln>
-        </p:spPr>
-        <p:txBody>
-          <a:bodyPr lIns="90000" tIns="72000" rIns="90000" bIns="72000" rtlCol="0" anchor="ctr"/>
-          <a:lstStyle/>
-          <a:p>
-            <a:pPr marR="0" algn="ctr" defTabSz="914400" eaLnBrk="1" fontAlgn="base" latinLnBrk="0" hangingPunct="1">
-              <a:lnSpc>
-                <a:spcPct val="100000"/>
-              </a:lnSpc>
-              <a:spcBef>
-                <a:spcPct val="50000"/>
-              </a:spcBef>
-              <a:spcAft>
-                <a:spcPct val="0"/>
-              </a:spcAft>
-              <a:buClr>
-                <a:srgbClr val="F0AB00"/>
-              </a:buClr>
-              <a:buSzPct val="80000"/>
-              <a:tabLst/>
-            </a:pPr>
-            <a:endParaRPr kumimoji="0" lang="en-US" b="0" i="0" u="none" strike="noStrike" kern="0" cap="none" spc="0" normalizeH="0" baseline="0" noProof="0" dirty="0" smtClean="0">
-              <a:ln>
-                <a:noFill/>
-              </a:ln>
-              <a:effectLst/>
-              <a:uLnTx/>
-              <a:uFillTx/>
-              <a:ea typeface="Arial Unicode MS" pitchFamily="34" charset="-128"/>
-              <a:cs typeface="Arial Unicode MS" pitchFamily="34" charset="-128"/>
-            </a:endParaRPr>
-          </a:p>
-        </p:txBody>
-      </p:sp>
-      <p:sp>
-        <p:nvSpPr>
-          <p:cNvPr id="10" name="TextBox 9"/>
-          <p:cNvSpPr txBox="1"/>
-          <p:nvPr/>
-        </p:nvSpPr>
-        <p:spPr>
-          <a:xfrm>
-            <a:off x="3529413" y="4836920"/>
-            <a:ext cx="4973652" cy="830997"/>
-          </a:xfrm>
-          <a:prstGeom prst="rect">
-            <a:avLst/>
-          </a:prstGeom>
-          <a:noFill/>
-        </p:spPr>
-        <p:txBody>
-          <a:bodyPr wrap="square" lIns="0" tIns="0" rIns="0" bIns="0" rtlCol="0">
-            <a:spAutoFit/>
-          </a:bodyPr>
-          <a:lstStyle/>
-          <a:p>
-            <a:pPr fontAlgn="base">
-              <a:spcBef>
-                <a:spcPct val="50000"/>
-              </a:spcBef>
-              <a:spcAft>
-                <a:spcPct val="0"/>
-              </a:spcAft>
-              <a:buClr>
-                <a:srgbClr val="F0AB00"/>
-              </a:buClr>
-              <a:buSzPct val="80000"/>
-            </a:pPr>
-            <a:r>
-              <a:rPr lang="en-US" kern="0" dirty="0" smtClean="0">
-                <a:ea typeface="Arial Unicode MS" pitchFamily="34" charset="-128"/>
-                <a:cs typeface="Arial Unicode MS" pitchFamily="34" charset="-128"/>
-              </a:rPr>
-              <a:t>Note: this offers the same functionality as using the orange edit button; this simply give you a larger text area to type in.</a:t>
-            </a:r>
-            <a:endParaRPr lang="en-US" sz="1800" kern="0" dirty="0" smtClean="0">
-              <a:ea typeface="Arial Unicode MS" pitchFamily="34" charset="-128"/>
-              <a:cs typeface="Arial Unicode MS" pitchFamily="34" charset="-128"/>
-            </a:endParaRPr>
-          </a:p>
-        </p:txBody>
-      </p:sp>
     </p:spTree>
     <p:extLst>
       <p:ext uri="{BB962C8B-B14F-4D97-AF65-F5344CB8AC3E}">
-        <p14:creationId xmlns:p14="http://schemas.microsoft.com/office/powerpoint/2010/main" val="2887033499"/>
+        <p14:creationId xmlns:p14="http://schemas.microsoft.com/office/powerpoint/2010/main" val="3442243570"/>
       </p:ext>
     </p:extLst>
   </p:cSld>

--- a/The Exam System - User Guide.pptx
+++ b/The Exam System - User Guide.pptx
@@ -5,10 +5,10 @@
     <p:sldMasterId id="2147483660" r:id="rId1"/>
   </p:sldMasterIdLst>
   <p:notesMasterIdLst>
-    <p:notesMasterId r:id="rId19"/>
+    <p:notesMasterId r:id="rId18"/>
   </p:notesMasterIdLst>
   <p:handoutMasterIdLst>
-    <p:handoutMasterId r:id="rId20"/>
+    <p:handoutMasterId r:id="rId19"/>
   </p:handoutMasterIdLst>
   <p:sldIdLst>
     <p:sldId id="327" r:id="rId2"/>
@@ -18,16 +18,15 @@
     <p:sldId id="345" r:id="rId6"/>
     <p:sldId id="346" r:id="rId7"/>
     <p:sldId id="366" r:id="rId8"/>
-    <p:sldId id="371" r:id="rId9"/>
-    <p:sldId id="367" r:id="rId10"/>
-    <p:sldId id="369" r:id="rId11"/>
-    <p:sldId id="348" r:id="rId12"/>
-    <p:sldId id="349" r:id="rId13"/>
-    <p:sldId id="370" r:id="rId14"/>
-    <p:sldId id="372" r:id="rId15"/>
-    <p:sldId id="310" r:id="rId16"/>
-    <p:sldId id="265" r:id="rId17"/>
-    <p:sldId id="339" r:id="rId18"/>
+    <p:sldId id="367" r:id="rId9"/>
+    <p:sldId id="369" r:id="rId10"/>
+    <p:sldId id="348" r:id="rId11"/>
+    <p:sldId id="349" r:id="rId12"/>
+    <p:sldId id="370" r:id="rId13"/>
+    <p:sldId id="372" r:id="rId14"/>
+    <p:sldId id="310" r:id="rId15"/>
+    <p:sldId id="265" r:id="rId16"/>
+    <p:sldId id="339" r:id="rId17"/>
   </p:sldIdLst>
   <p:sldSz cx="9144000" cy="6858000" type="screen4x3"/>
   <p:notesSz cx="6858000" cy="9144000"/>
@@ -855,7 +854,7 @@
           </a:bodyPr>
           <a:lstStyle/>
           <a:p>
-            <a:endParaRPr lang="en-US" dirty="0"/>
+            <a:endParaRPr lang="en-US"/>
           </a:p>
         </p:txBody>
       </p:sp>
@@ -910,39 +909,6 @@
       </p:grpSpPr>
       <p:sp>
         <p:nvSpPr>
-          <p:cNvPr id="2" name="Slide Image Placeholder 1"/>
-          <p:cNvSpPr>
-            <a:spLocks noGrp="1" noRot="1" noChangeAspect="1"/>
-          </p:cNvSpPr>
-          <p:nvPr>
-            <p:ph type="sldImg"/>
-          </p:nvPr>
-        </p:nvSpPr>
-        <p:spPr/>
-      </p:sp>
-      <p:sp>
-        <p:nvSpPr>
-          <p:cNvPr id="3" name="Notes Placeholder 2"/>
-          <p:cNvSpPr>
-            <a:spLocks noGrp="1"/>
-          </p:cNvSpPr>
-          <p:nvPr>
-            <p:ph type="body" idx="1"/>
-          </p:nvPr>
-        </p:nvSpPr>
-        <p:spPr/>
-        <p:txBody>
-          <a:bodyPr>
-            <a:normAutofit/>
-          </a:bodyPr>
-          <a:lstStyle/>
-          <a:p>
-            <a:endParaRPr lang="en-US"/>
-          </a:p>
-        </p:txBody>
-      </p:sp>
-      <p:sp>
-        <p:nvSpPr>
           <p:cNvPr id="4" name="Slide Number Placeholder 3"/>
           <p:cNvSpPr>
             <a:spLocks noGrp="1"/>
@@ -961,6 +927,39 @@
               <a:pPr/>
               <a:t>15</a:t>
             </a:fld>
+            <a:endParaRPr lang="de-DE" dirty="0"/>
+          </a:p>
+        </p:txBody>
+      </p:sp>
+      <p:sp>
+        <p:nvSpPr>
+          <p:cNvPr id="15" name="Slide Image Placeholder 14"/>
+          <p:cNvSpPr>
+            <a:spLocks noGrp="1" noRot="1" noChangeAspect="1"/>
+          </p:cNvSpPr>
+          <p:nvPr>
+            <p:ph type="sldImg"/>
+          </p:nvPr>
+        </p:nvSpPr>
+        <p:spPr/>
+      </p:sp>
+      <p:sp>
+        <p:nvSpPr>
+          <p:cNvPr id="16" name="Notes Placeholder 15"/>
+          <p:cNvSpPr>
+            <a:spLocks noGrp="1"/>
+          </p:cNvSpPr>
+          <p:nvPr>
+            <p:ph type="body" idx="1"/>
+          </p:nvPr>
+        </p:nvSpPr>
+        <p:spPr/>
+        <p:txBody>
+          <a:bodyPr>
+            <a:normAutofit/>
+          </a:bodyPr>
+          <a:lstStyle/>
+          <a:p>
             <a:endParaRPr lang="de-DE" dirty="0"/>
           </a:p>
         </p:txBody>
@@ -992,6 +991,39 @@
       </p:grpSpPr>
       <p:sp>
         <p:nvSpPr>
+          <p:cNvPr id="2" name="Slide Image Placeholder 1"/>
+          <p:cNvSpPr>
+            <a:spLocks noGrp="1" noRot="1" noChangeAspect="1"/>
+          </p:cNvSpPr>
+          <p:nvPr>
+            <p:ph type="sldImg"/>
+          </p:nvPr>
+        </p:nvSpPr>
+        <p:spPr/>
+      </p:sp>
+      <p:sp>
+        <p:nvSpPr>
+          <p:cNvPr id="3" name="Notes Placeholder 2"/>
+          <p:cNvSpPr>
+            <a:spLocks noGrp="1"/>
+          </p:cNvSpPr>
+          <p:nvPr>
+            <p:ph type="body" idx="1"/>
+          </p:nvPr>
+        </p:nvSpPr>
+        <p:spPr/>
+        <p:txBody>
+          <a:bodyPr>
+            <a:normAutofit/>
+          </a:bodyPr>
+          <a:lstStyle/>
+          <a:p>
+            <a:endParaRPr lang="en-US"/>
+          </a:p>
+        </p:txBody>
+      </p:sp>
+      <p:sp>
+        <p:nvSpPr>
           <p:cNvPr id="4" name="Slide Number Placeholder 3"/>
           <p:cNvSpPr>
             <a:spLocks noGrp="1"/>
@@ -1009,121 +1041,6 @@
               <a:rPr lang="de-DE" smtClean="0"/>
               <a:pPr/>
               <a:t>16</a:t>
-            </a:fld>
-            <a:endParaRPr lang="de-DE" dirty="0"/>
-          </a:p>
-        </p:txBody>
-      </p:sp>
-      <p:sp>
-        <p:nvSpPr>
-          <p:cNvPr id="15" name="Slide Image Placeholder 14"/>
-          <p:cNvSpPr>
-            <a:spLocks noGrp="1" noRot="1" noChangeAspect="1"/>
-          </p:cNvSpPr>
-          <p:nvPr>
-            <p:ph type="sldImg"/>
-          </p:nvPr>
-        </p:nvSpPr>
-        <p:spPr/>
-      </p:sp>
-      <p:sp>
-        <p:nvSpPr>
-          <p:cNvPr id="16" name="Notes Placeholder 15"/>
-          <p:cNvSpPr>
-            <a:spLocks noGrp="1"/>
-          </p:cNvSpPr>
-          <p:nvPr>
-            <p:ph type="body" idx="1"/>
-          </p:nvPr>
-        </p:nvSpPr>
-        <p:spPr/>
-        <p:txBody>
-          <a:bodyPr>
-            <a:normAutofit/>
-          </a:bodyPr>
-          <a:lstStyle/>
-          <a:p>
-            <a:endParaRPr lang="de-DE" dirty="0"/>
-          </a:p>
-        </p:txBody>
-      </p:sp>
-    </p:spTree>
-  </p:cSld>
-  <p:clrMapOvr>
-    <a:masterClrMapping/>
-  </p:clrMapOvr>
-</p:notes>
-</file>
-
-<file path=ppt/notesSlides/notesSlide16.xml><?xml version="1.0" encoding="utf-8"?>
-<p:notes xmlns:a="http://schemas.openxmlformats.org/drawingml/2006/main" xmlns:r="http://schemas.openxmlformats.org/officeDocument/2006/relationships" xmlns:p="http://schemas.openxmlformats.org/presentationml/2006/main">
-  <p:cSld>
-    <p:spTree>
-      <p:nvGrpSpPr>
-        <p:cNvPr id="1" name=""/>
-        <p:cNvGrpSpPr/>
-        <p:nvPr/>
-      </p:nvGrpSpPr>
-      <p:grpSpPr>
-        <a:xfrm>
-          <a:off x="0" y="0"/>
-          <a:ext cx="0" cy="0"/>
-          <a:chOff x="0" y="0"/>
-          <a:chExt cx="0" cy="0"/>
-        </a:xfrm>
-      </p:grpSpPr>
-      <p:sp>
-        <p:nvSpPr>
-          <p:cNvPr id="2" name="Slide Image Placeholder 1"/>
-          <p:cNvSpPr>
-            <a:spLocks noGrp="1" noRot="1" noChangeAspect="1"/>
-          </p:cNvSpPr>
-          <p:nvPr>
-            <p:ph type="sldImg"/>
-          </p:nvPr>
-        </p:nvSpPr>
-        <p:spPr/>
-      </p:sp>
-      <p:sp>
-        <p:nvSpPr>
-          <p:cNvPr id="3" name="Notes Placeholder 2"/>
-          <p:cNvSpPr>
-            <a:spLocks noGrp="1"/>
-          </p:cNvSpPr>
-          <p:nvPr>
-            <p:ph type="body" idx="1"/>
-          </p:nvPr>
-        </p:nvSpPr>
-        <p:spPr/>
-        <p:txBody>
-          <a:bodyPr>
-            <a:normAutofit/>
-          </a:bodyPr>
-          <a:lstStyle/>
-          <a:p>
-            <a:endParaRPr lang="en-US"/>
-          </a:p>
-        </p:txBody>
-      </p:sp>
-      <p:sp>
-        <p:nvSpPr>
-          <p:cNvPr id="4" name="Slide Number Placeholder 3"/>
-          <p:cNvSpPr>
-            <a:spLocks noGrp="1"/>
-          </p:cNvSpPr>
-          <p:nvPr>
-            <p:ph type="sldNum" sz="quarter" idx="10"/>
-          </p:nvPr>
-        </p:nvSpPr>
-        <p:spPr/>
-        <p:txBody>
-          <a:bodyPr/>
-          <a:lstStyle/>
-          <a:p>
-            <a:fld id="{7D8C2C35-2B8A-446E-BEC0-FD36716C29AC}" type="slidenum">
-              <a:rPr lang="de-DE" smtClean="0"/>
-              <a:pPr/>
-              <a:t>17</a:t>
             </a:fld>
             <a:endParaRPr lang="de-DE" dirty="0"/>
           </a:p>
@@ -7377,429 +7294,6 @@
             <a:spLocks noGrp="1"/>
           </p:cNvSpPr>
           <p:nvPr>
-            <p:ph type="title"/>
-          </p:nvPr>
-        </p:nvSpPr>
-        <p:spPr/>
-        <p:txBody>
-          <a:bodyPr/>
-          <a:lstStyle/>
-          <a:p>
-            <a:r>
-              <a:rPr lang="en-US" dirty="0" smtClean="0"/>
-              <a:t>Big Edits</a:t>
-            </a:r>
-            <a:endParaRPr lang="en-US" sz="2000" b="0" dirty="0"/>
-          </a:p>
-        </p:txBody>
-      </p:sp>
-      <p:sp>
-        <p:nvSpPr>
-          <p:cNvPr id="3" name="Text Placeholder 2"/>
-          <p:cNvSpPr>
-            <a:spLocks noGrp="1"/>
-          </p:cNvSpPr>
-          <p:nvPr>
-            <p:ph type="body" sz="quarter" idx="10"/>
-          </p:nvPr>
-        </p:nvSpPr>
-        <p:spPr>
-          <a:xfrm>
-            <a:off x="324000" y="1690687"/>
-            <a:ext cx="8461077" cy="958509"/>
-          </a:xfrm>
-        </p:spPr>
-        <p:txBody>
-          <a:bodyPr/>
-          <a:lstStyle/>
-          <a:p>
-            <a:pPr lvl="0"/>
-            <a:r>
-              <a:rPr lang="en-US" dirty="0" smtClean="0"/>
-              <a:t>If you require to do an a larger edit to a particular question/answer, you can the actual editor panel to so.</a:t>
-            </a:r>
-          </a:p>
-        </p:txBody>
-      </p:sp>
-      <p:sp>
-        <p:nvSpPr>
-          <p:cNvPr id="14" name="TextBox 13"/>
-          <p:cNvSpPr txBox="1"/>
-          <p:nvPr/>
-        </p:nvSpPr>
-        <p:spPr>
-          <a:xfrm>
-            <a:off x="4930924" y="2492334"/>
-            <a:ext cx="3136306" cy="1800493"/>
-          </a:xfrm>
-          <a:prstGeom prst="rect">
-            <a:avLst/>
-          </a:prstGeom>
-          <a:noFill/>
-        </p:spPr>
-        <p:txBody>
-          <a:bodyPr wrap="square" lIns="0" tIns="0" rIns="0" bIns="0" rtlCol="0">
-            <a:spAutoFit/>
-          </a:bodyPr>
-          <a:lstStyle/>
-          <a:p>
-            <a:pPr marL="285750" indent="-285750" fontAlgn="base">
-              <a:spcBef>
-                <a:spcPct val="50000"/>
-              </a:spcBef>
-              <a:spcAft>
-                <a:spcPct val="0"/>
-              </a:spcAft>
-              <a:buClr>
-                <a:srgbClr val="F0AB00"/>
-              </a:buClr>
-              <a:buSzPct val="80000"/>
-              <a:buFont typeface="Arial" pitchFamily="34" charset="0"/>
-              <a:buChar char="•"/>
-            </a:pPr>
-            <a:r>
-              <a:rPr lang="en-US" kern="0" dirty="0" smtClean="0">
-                <a:ea typeface="Arial Unicode MS" pitchFamily="34" charset="-128"/>
-                <a:cs typeface="Arial Unicode MS" pitchFamily="34" charset="-128"/>
-              </a:rPr>
-              <a:t>Select the type of entity you wish to edit</a:t>
-            </a:r>
-          </a:p>
-          <a:p>
-            <a:pPr marL="285750" indent="-285750" fontAlgn="base">
-              <a:spcBef>
-                <a:spcPct val="50000"/>
-              </a:spcBef>
-              <a:spcAft>
-                <a:spcPct val="0"/>
-              </a:spcAft>
-              <a:buClr>
-                <a:srgbClr val="F0AB00"/>
-              </a:buClr>
-              <a:buSzPct val="80000"/>
-              <a:buFont typeface="Arial" pitchFamily="34" charset="0"/>
-              <a:buChar char="•"/>
-            </a:pPr>
-            <a:r>
-              <a:rPr lang="en-US" kern="0" dirty="0" smtClean="0">
-                <a:ea typeface="Arial Unicode MS" pitchFamily="34" charset="-128"/>
-                <a:cs typeface="Arial Unicode MS" pitchFamily="34" charset="-128"/>
-              </a:rPr>
-              <a:t>Select the actual entity</a:t>
-            </a:r>
-          </a:p>
-          <a:p>
-            <a:pPr marL="285750" indent="-285750" fontAlgn="base">
-              <a:spcBef>
-                <a:spcPct val="50000"/>
-              </a:spcBef>
-              <a:spcAft>
-                <a:spcPct val="0"/>
-              </a:spcAft>
-              <a:buClr>
-                <a:srgbClr val="F0AB00"/>
-              </a:buClr>
-              <a:buSzPct val="80000"/>
-              <a:buFont typeface="Arial" pitchFamily="34" charset="0"/>
-              <a:buChar char="•"/>
-            </a:pPr>
-            <a:r>
-              <a:rPr lang="en-US" kern="0" dirty="0" smtClean="0">
-                <a:ea typeface="Arial Unicode MS" pitchFamily="34" charset="-128"/>
-                <a:cs typeface="Arial Unicode MS" pitchFamily="34" charset="-128"/>
-              </a:rPr>
-              <a:t>Edit away</a:t>
-            </a:r>
-          </a:p>
-          <a:p>
-            <a:pPr marL="285750" indent="-285750" fontAlgn="base">
-              <a:spcBef>
-                <a:spcPct val="50000"/>
-              </a:spcBef>
-              <a:spcAft>
-                <a:spcPct val="0"/>
-              </a:spcAft>
-              <a:buClr>
-                <a:srgbClr val="F0AB00"/>
-              </a:buClr>
-              <a:buSzPct val="80000"/>
-              <a:buFont typeface="Arial" pitchFamily="34" charset="0"/>
-              <a:buChar char="•"/>
-            </a:pPr>
-            <a:endParaRPr lang="en-US" kern="0" dirty="0" smtClean="0">
-              <a:ea typeface="Arial Unicode MS" pitchFamily="34" charset="-128"/>
-              <a:cs typeface="Arial Unicode MS" pitchFamily="34" charset="-128"/>
-            </a:endParaRPr>
-          </a:p>
-        </p:txBody>
-      </p:sp>
-      <p:pic>
-        <p:nvPicPr>
-          <p:cNvPr id="5" name="Picture 4"/>
-          <p:cNvPicPr>
-            <a:picLocks noChangeAspect="1"/>
-          </p:cNvPicPr>
-          <p:nvPr/>
-        </p:nvPicPr>
-        <p:blipFill>
-          <a:blip r:embed="rId3">
-            <a:extLst>
-              <a:ext uri="{28A0092B-C50C-407E-A947-70E740481C1C}">
-                <a14:useLocalDpi xmlns:a14="http://schemas.microsoft.com/office/drawing/2010/main" val="0"/>
-              </a:ext>
-            </a:extLst>
-          </a:blip>
-          <a:stretch>
-            <a:fillRect/>
-          </a:stretch>
-        </p:blipFill>
-        <p:spPr>
-          <a:xfrm>
-            <a:off x="365403" y="2492334"/>
-            <a:ext cx="3787853" cy="1010993"/>
-          </a:xfrm>
-          <a:prstGeom prst="rect">
-            <a:avLst/>
-          </a:prstGeom>
-        </p:spPr>
-      </p:pic>
-      <p:sp>
-        <p:nvSpPr>
-          <p:cNvPr id="7" name="Left Arrow 6"/>
-          <p:cNvSpPr/>
-          <p:nvPr/>
-        </p:nvSpPr>
-        <p:spPr bwMode="gray">
-          <a:xfrm>
-            <a:off x="2623559" y="2845750"/>
-            <a:ext cx="743484" cy="213644"/>
-          </a:xfrm>
-          <a:prstGeom prst="leftArrow">
-            <a:avLst/>
-          </a:prstGeom>
-          <a:solidFill>
-            <a:schemeClr val="accent1"/>
-          </a:solidFill>
-          <a:ln w="6350" algn="ctr">
-            <a:noFill/>
-            <a:miter lim="800000"/>
-            <a:headEnd/>
-            <a:tailEnd/>
-          </a:ln>
-        </p:spPr>
-        <p:txBody>
-          <a:bodyPr lIns="90000" tIns="72000" rIns="90000" bIns="72000" rtlCol="0" anchor="ctr"/>
-          <a:lstStyle/>
-          <a:p>
-            <a:pPr marR="0" algn="ctr" defTabSz="914400" eaLnBrk="1" fontAlgn="base" latinLnBrk="0" hangingPunct="1">
-              <a:lnSpc>
-                <a:spcPct val="100000"/>
-              </a:lnSpc>
-              <a:spcBef>
-                <a:spcPct val="50000"/>
-              </a:spcBef>
-              <a:spcAft>
-                <a:spcPct val="0"/>
-              </a:spcAft>
-              <a:buClr>
-                <a:srgbClr val="F0AB00"/>
-              </a:buClr>
-              <a:buSzPct val="80000"/>
-              <a:tabLst/>
-            </a:pPr>
-            <a:endParaRPr kumimoji="0" lang="en-US" b="0" i="0" u="none" strike="noStrike" kern="0" cap="none" spc="0" normalizeH="0" baseline="0" noProof="0" dirty="0" smtClean="0">
-              <a:ln>
-                <a:noFill/>
-              </a:ln>
-              <a:effectLst/>
-              <a:uLnTx/>
-              <a:uFillTx/>
-              <a:ea typeface="Arial Unicode MS" pitchFamily="34" charset="-128"/>
-              <a:cs typeface="Arial Unicode MS" pitchFamily="34" charset="-128"/>
-            </a:endParaRPr>
-          </a:p>
-        </p:txBody>
-      </p:sp>
-      <p:pic>
-        <p:nvPicPr>
-          <p:cNvPr id="8" name="Picture 7"/>
-          <p:cNvPicPr>
-            <a:picLocks noChangeAspect="1"/>
-          </p:cNvPicPr>
-          <p:nvPr/>
-        </p:nvPicPr>
-        <p:blipFill>
-          <a:blip r:embed="rId4">
-            <a:extLst>
-              <a:ext uri="{28A0092B-C50C-407E-A947-70E740481C1C}">
-                <a14:useLocalDpi xmlns:a14="http://schemas.microsoft.com/office/drawing/2010/main" val="0"/>
-              </a:ext>
-            </a:extLst>
-          </a:blip>
-          <a:stretch>
-            <a:fillRect/>
-          </a:stretch>
-        </p:blipFill>
-        <p:spPr>
-          <a:xfrm>
-            <a:off x="365402" y="4130892"/>
-            <a:ext cx="2828389" cy="1874067"/>
-          </a:xfrm>
-          <a:prstGeom prst="rect">
-            <a:avLst/>
-          </a:prstGeom>
-        </p:spPr>
-      </p:pic>
-      <p:sp>
-        <p:nvSpPr>
-          <p:cNvPr id="9" name="Down Arrow 8"/>
-          <p:cNvSpPr/>
-          <p:nvPr/>
-        </p:nvSpPr>
-        <p:spPr bwMode="gray">
-          <a:xfrm>
-            <a:off x="1444239" y="3503327"/>
-            <a:ext cx="205099" cy="538834"/>
-          </a:xfrm>
-          <a:prstGeom prst="downArrow">
-            <a:avLst/>
-          </a:prstGeom>
-          <a:solidFill>
-            <a:schemeClr val="accent1"/>
-          </a:solidFill>
-          <a:ln w="6350" algn="ctr">
-            <a:noFill/>
-            <a:miter lim="800000"/>
-            <a:headEnd/>
-            <a:tailEnd/>
-          </a:ln>
-        </p:spPr>
-        <p:txBody>
-          <a:bodyPr lIns="90000" tIns="72000" rIns="90000" bIns="72000" rtlCol="0" anchor="ctr"/>
-          <a:lstStyle/>
-          <a:p>
-            <a:pPr marR="0" algn="ctr" defTabSz="914400" eaLnBrk="1" fontAlgn="base" latinLnBrk="0" hangingPunct="1">
-              <a:lnSpc>
-                <a:spcPct val="100000"/>
-              </a:lnSpc>
-              <a:spcBef>
-                <a:spcPct val="50000"/>
-              </a:spcBef>
-              <a:spcAft>
-                <a:spcPct val="0"/>
-              </a:spcAft>
-              <a:buClr>
-                <a:srgbClr val="F0AB00"/>
-              </a:buClr>
-              <a:buSzPct val="80000"/>
-              <a:tabLst/>
-            </a:pPr>
-            <a:endParaRPr kumimoji="0" lang="en-US" b="0" i="0" u="none" strike="noStrike" kern="0" cap="none" spc="0" normalizeH="0" baseline="0" noProof="0" dirty="0" smtClean="0">
-              <a:ln>
-                <a:noFill/>
-              </a:ln>
-              <a:effectLst/>
-              <a:uLnTx/>
-              <a:uFillTx/>
-              <a:ea typeface="Arial Unicode MS" pitchFamily="34" charset="-128"/>
-              <a:cs typeface="Arial Unicode MS" pitchFamily="34" charset="-128"/>
-            </a:endParaRPr>
-          </a:p>
-        </p:txBody>
-      </p:sp>
-      <p:sp>
-        <p:nvSpPr>
-          <p:cNvPr id="10" name="TextBox 9"/>
-          <p:cNvSpPr txBox="1"/>
-          <p:nvPr/>
-        </p:nvSpPr>
-        <p:spPr>
-          <a:xfrm>
-            <a:off x="3529413" y="4836920"/>
-            <a:ext cx="4973652" cy="830997"/>
-          </a:xfrm>
-          <a:prstGeom prst="rect">
-            <a:avLst/>
-          </a:prstGeom>
-          <a:noFill/>
-        </p:spPr>
-        <p:txBody>
-          <a:bodyPr wrap="square" lIns="0" tIns="0" rIns="0" bIns="0" rtlCol="0">
-            <a:spAutoFit/>
-          </a:bodyPr>
-          <a:lstStyle/>
-          <a:p>
-            <a:pPr fontAlgn="base">
-              <a:spcBef>
-                <a:spcPct val="50000"/>
-              </a:spcBef>
-              <a:spcAft>
-                <a:spcPct val="0"/>
-              </a:spcAft>
-              <a:buClr>
-                <a:srgbClr val="F0AB00"/>
-              </a:buClr>
-              <a:buSzPct val="80000"/>
-            </a:pPr>
-            <a:r>
-              <a:rPr lang="en-US" kern="0" dirty="0" smtClean="0">
-                <a:ea typeface="Arial Unicode MS" pitchFamily="34" charset="-128"/>
-                <a:cs typeface="Arial Unicode MS" pitchFamily="34" charset="-128"/>
-              </a:rPr>
-              <a:t>Note: this offers the same functionality as using the orange edit button; this simply give you a larger text area to type in.</a:t>
-            </a:r>
-            <a:endParaRPr lang="en-US" sz="1800" kern="0" dirty="0" smtClean="0">
-              <a:ea typeface="Arial Unicode MS" pitchFamily="34" charset="-128"/>
-              <a:cs typeface="Arial Unicode MS" pitchFamily="34" charset="-128"/>
-            </a:endParaRPr>
-          </a:p>
-        </p:txBody>
-      </p:sp>
-    </p:spTree>
-    <p:extLst>
-      <p:ext uri="{BB962C8B-B14F-4D97-AF65-F5344CB8AC3E}">
-        <p14:creationId xmlns:p14="http://schemas.microsoft.com/office/powerpoint/2010/main" val="2887033499"/>
-      </p:ext>
-    </p:extLst>
-  </p:cSld>
-  <p:clrMapOvr>
-    <a:masterClrMapping/>
-  </p:clrMapOvr>
-  <p:transition spd="med"/>
-  <p:timing>
-    <p:tnLst>
-      <p:par>
-        <p:cTn id="1" dur="indefinite" restart="never" nodeType="tmRoot"/>
-      </p:par>
-    </p:tnLst>
-  </p:timing>
-</p:sld>
-</file>
-
-<file path=ppt/slides/slide11.xml><?xml version="1.0" encoding="utf-8"?>
-<p:sld xmlns:a="http://schemas.openxmlformats.org/drawingml/2006/main" xmlns:r="http://schemas.openxmlformats.org/officeDocument/2006/relationships" xmlns:p="http://schemas.openxmlformats.org/presentationml/2006/main">
-  <p:cSld>
-    <p:spTree>
-      <p:nvGrpSpPr>
-        <p:cNvPr id="1" name=""/>
-        <p:cNvGrpSpPr/>
-        <p:nvPr/>
-      </p:nvGrpSpPr>
-      <p:grpSpPr>
-        <a:xfrm>
-          <a:off x="0" y="0"/>
-          <a:ext cx="0" cy="0"/>
-          <a:chOff x="0" y="0"/>
-          <a:chExt cx="0" cy="0"/>
-        </a:xfrm>
-      </p:grpSpPr>
-      <p:sp>
-        <p:nvSpPr>
-          <p:cNvPr id="2" name="Title 1"/>
-          <p:cNvSpPr>
-            <a:spLocks noGrp="1"/>
-          </p:cNvSpPr>
-          <p:nvPr>
             <p:ph type="ctrTitle"/>
           </p:nvPr>
         </p:nvSpPr>
@@ -7855,7 +7349,7 @@
 </p:sld>
 </file>
 
-<file path=ppt/slides/slide12.xml><?xml version="1.0" encoding="utf-8"?>
+<file path=ppt/slides/slide11.xml><?xml version="1.0" encoding="utf-8"?>
 <p:sld xmlns:a="http://schemas.openxmlformats.org/drawingml/2006/main" xmlns:r="http://schemas.openxmlformats.org/officeDocument/2006/relationships" xmlns:p="http://schemas.openxmlformats.org/presentationml/2006/main">
   <p:cSld>
     <p:spTree>
@@ -7978,14 +7472,7 @@
                 <a:ea typeface="Arial Unicode MS" pitchFamily="34" charset="-128"/>
                 <a:cs typeface="Arial Unicode MS" pitchFamily="34" charset="-128"/>
               </a:rPr>
-              <a:t>he </a:t>
-            </a:r>
-            <a:r>
-              <a:rPr lang="en-US" sz="1800" kern="0" dirty="0" smtClean="0">
-                <a:ea typeface="Arial Unicode MS" pitchFamily="34" charset="-128"/>
-                <a:cs typeface="Arial Unicode MS" pitchFamily="34" charset="-128"/>
-              </a:rPr>
-              <a:t>user panel contains all things which non admins will ever require. </a:t>
+              <a:t>he user panel contains all things which non admins will ever require. </a:t>
             </a:r>
           </a:p>
         </p:txBody>
@@ -8251,7 +7738,7 @@
 </p:sld>
 </file>
 
-<file path=ppt/slides/slide13.xml><?xml version="1.0" encoding="utf-8"?>
+<file path=ppt/slides/slide12.xml><?xml version="1.0" encoding="utf-8"?>
 <p:sld xmlns:a="http://schemas.openxmlformats.org/drawingml/2006/main" xmlns:r="http://schemas.openxmlformats.org/officeDocument/2006/relationships" xmlns:p="http://schemas.openxmlformats.org/presentationml/2006/main">
   <p:cSld>
     <p:spTree>
@@ -8467,10 +7954,6 @@
               </a:rPr>
               <a:t>After clicking “Lock Answers”, the section will become greyed out and the radios disabled.</a:t>
             </a:r>
-            <a:endParaRPr lang="en-US" kern="0" dirty="0" smtClean="0">
-              <a:ea typeface="Arial Unicode MS" pitchFamily="34" charset="-128"/>
-              <a:cs typeface="Arial Unicode MS" pitchFamily="34" charset="-128"/>
-            </a:endParaRPr>
           </a:p>
         </p:txBody>
       </p:sp>
@@ -8582,7 +8065,7 @@
 </p:sld>
 </file>
 
-<file path=ppt/slides/slide14.xml><?xml version="1.0" encoding="utf-8"?>
+<file path=ppt/slides/slide13.xml><?xml version="1.0" encoding="utf-8"?>
 <p:sld xmlns:a="http://schemas.openxmlformats.org/drawingml/2006/main" xmlns:r="http://schemas.openxmlformats.org/officeDocument/2006/relationships" xmlns:p="http://schemas.openxmlformats.org/presentationml/2006/main">
   <p:cSld>
     <p:spTree>
@@ -8616,11 +8099,7 @@
           <a:p>
             <a:r>
               <a:rPr lang="en-US" dirty="0" smtClean="0"/>
-              <a:t>Exam </a:t>
-            </a:r>
-            <a:r>
-              <a:rPr lang="en-US" dirty="0" smtClean="0"/>
-              <a:t>Taking Continued</a:t>
+              <a:t>Exam Taking Continued</a:t>
             </a:r>
             <a:endParaRPr lang="en-US" sz="2000" b="0" dirty="0"/>
           </a:p>
@@ -8667,10 +8146,6 @@
               </a:rPr>
               <a:t>Once all sections are completed and locked, the user will have to click the “Submit Exam” button located in the bottom right corner of the page.</a:t>
             </a:r>
-            <a:endParaRPr lang="en-US" sz="1800" kern="0" dirty="0" smtClean="0">
-              <a:ea typeface="Arial Unicode MS" pitchFamily="34" charset="-128"/>
-              <a:cs typeface="Arial Unicode MS" pitchFamily="34" charset="-128"/>
-            </a:endParaRPr>
           </a:p>
         </p:txBody>
       </p:sp>
@@ -8786,10 +8261,6 @@
               </a:rPr>
               <a:t>The user can then return to the user panel to see their overall score</a:t>
             </a:r>
-            <a:endParaRPr lang="en-US" kern="0" dirty="0" smtClean="0">
-              <a:ea typeface="Arial Unicode MS" pitchFamily="34" charset="-128"/>
-              <a:cs typeface="Arial Unicode MS" pitchFamily="34" charset="-128"/>
-            </a:endParaRPr>
           </a:p>
         </p:txBody>
       </p:sp>
@@ -8874,7 +8345,7 @@
 </p:sld>
 </file>
 
-<file path=ppt/slides/slide15.xml><?xml version="1.0" encoding="utf-8"?>
+<file path=ppt/slides/slide14.xml><?xml version="1.0" encoding="utf-8"?>
 <p:sld xmlns:a="http://schemas.openxmlformats.org/drawingml/2006/main" xmlns:r="http://schemas.openxmlformats.org/officeDocument/2006/relationships" xmlns:p="http://schemas.openxmlformats.org/presentationml/2006/main">
   <p:cSld>
     <p:spTree>
@@ -8971,7 +8442,7 @@
 </p:sld>
 </file>
 
-<file path=ppt/slides/slide16.xml><?xml version="1.0" encoding="utf-8"?>
+<file path=ppt/slides/slide15.xml><?xml version="1.0" encoding="utf-8"?>
 <p:sld xmlns:a="http://schemas.openxmlformats.org/drawingml/2006/main" xmlns:r="http://schemas.openxmlformats.org/officeDocument/2006/relationships" xmlns:p="http://schemas.openxmlformats.org/presentationml/2006/main" show="0">
   <p:cSld>
     <p:spTree>
@@ -9004,7 +8475,7 @@
 </p:sld>
 </file>
 
-<file path=ppt/slides/slide17.xml><?xml version="1.0" encoding="utf-8"?>
+<file path=ppt/slides/slide16.xml><?xml version="1.0" encoding="utf-8"?>
 <p:sld xmlns:a="http://schemas.openxmlformats.org/drawingml/2006/main" xmlns:r="http://schemas.openxmlformats.org/officeDocument/2006/relationships" xmlns:p="http://schemas.openxmlformats.org/presentationml/2006/main" show="0">
   <p:cSld>
     <p:spTree>
@@ -9911,10 +9382,6 @@
               </a:rPr>
               <a:t>Note: This is also the panel which is used to see previous user attempts of exams.</a:t>
             </a:r>
-            <a:endParaRPr lang="en-US" sz="1800" kern="0" dirty="0" smtClean="0">
-              <a:ea typeface="Arial Unicode MS" pitchFamily="34" charset="-128"/>
-              <a:cs typeface="Arial Unicode MS" pitchFamily="34" charset="-128"/>
-            </a:endParaRPr>
           </a:p>
         </p:txBody>
       </p:sp>
@@ -10260,14 +9727,7 @@
                 <a:ea typeface="Arial Unicode MS" pitchFamily="34" charset="-128"/>
                 <a:cs typeface="Arial Unicode MS" pitchFamily="34" charset="-128"/>
               </a:rPr>
-              <a:t>Input the title/text of what you wish the exam/section/questio</a:t>
-            </a:r>
-            <a:r>
-              <a:rPr lang="en-US" kern="0" dirty="0" smtClean="0">
-                <a:ea typeface="Arial Unicode MS" pitchFamily="34" charset="-128"/>
-                <a:cs typeface="Arial Unicode MS" pitchFamily="34" charset="-128"/>
-              </a:rPr>
-              <a:t>n/answer to be called/contain and click create.</a:t>
+              <a:t>Input the title/text of what you wish the exam/section/question/answer to be called/contain and click create.</a:t>
             </a:r>
           </a:p>
           <a:p>
@@ -10314,10 +9774,6 @@
               </a:rPr>
               <a:t>If you click create and an alert does not go off, contact the system administrator </a:t>
             </a:r>
-            <a:endParaRPr lang="en-US" kern="0" dirty="0" smtClean="0">
-              <a:ea typeface="Arial Unicode MS" pitchFamily="34" charset="-128"/>
-              <a:cs typeface="Arial Unicode MS" pitchFamily="34" charset="-128"/>
-            </a:endParaRPr>
           </a:p>
         </p:txBody>
       </p:sp>
@@ -10678,333 +10134,6 @@
           <a:lstStyle/>
           <a:p>
             <a:r>
-              <a:rPr lang="en-US" sz="2000" b="0" dirty="0" smtClean="0"/>
-              <a:t>Exam Objects</a:t>
-            </a:r>
-            <a:endParaRPr lang="en-US" sz="2000" b="0" dirty="0"/>
-          </a:p>
-        </p:txBody>
-      </p:sp>
-      <p:sp>
-        <p:nvSpPr>
-          <p:cNvPr id="3" name="Text Placeholder 2"/>
-          <p:cNvSpPr>
-            <a:spLocks noGrp="1"/>
-          </p:cNvSpPr>
-          <p:nvPr>
-            <p:ph type="body" sz="quarter" idx="10"/>
-          </p:nvPr>
-        </p:nvSpPr>
-        <p:spPr>
-          <a:xfrm>
-            <a:off x="324000" y="1690687"/>
-            <a:ext cx="8461077" cy="958509"/>
-          </a:xfrm>
-        </p:spPr>
-        <p:txBody>
-          <a:bodyPr/>
-          <a:lstStyle/>
-          <a:p>
-            <a:pPr lvl="0"/>
-            <a:r>
-              <a:rPr lang="en-US" dirty="0" smtClean="0"/>
-              <a:t>It is necessary to understand how the systems objects (exams, sections, etc..) are related to one another in order to create proper exams.</a:t>
-            </a:r>
-            <a:endParaRPr lang="en-US" dirty="0" smtClean="0"/>
-          </a:p>
-        </p:txBody>
-      </p:sp>
-      <p:sp>
-        <p:nvSpPr>
-          <p:cNvPr id="4" name="TextBox 3"/>
-          <p:cNvSpPr txBox="1"/>
-          <p:nvPr/>
-        </p:nvSpPr>
-        <p:spPr>
-          <a:xfrm>
-            <a:off x="3717421" y="2418460"/>
-            <a:ext cx="4802736" cy="2908489"/>
-          </a:xfrm>
-          <a:prstGeom prst="rect">
-            <a:avLst/>
-          </a:prstGeom>
-          <a:noFill/>
-        </p:spPr>
-        <p:txBody>
-          <a:bodyPr wrap="square" lIns="0" tIns="0" rIns="0" bIns="0" rtlCol="0">
-            <a:spAutoFit/>
-          </a:bodyPr>
-          <a:lstStyle/>
-          <a:p>
-            <a:pPr marL="285750" indent="-285750" fontAlgn="base">
-              <a:spcBef>
-                <a:spcPct val="50000"/>
-              </a:spcBef>
-              <a:spcAft>
-                <a:spcPct val="0"/>
-              </a:spcAft>
-              <a:buClr>
-                <a:srgbClr val="F0AB00"/>
-              </a:buClr>
-              <a:buSzPct val="80000"/>
-              <a:buFont typeface="Arial" pitchFamily="34" charset="0"/>
-              <a:buChar char="•"/>
-            </a:pPr>
-            <a:r>
-              <a:rPr lang="en-US" kern="0" dirty="0" smtClean="0">
-                <a:ea typeface="Arial Unicode MS" pitchFamily="34" charset="-128"/>
-                <a:cs typeface="Arial Unicode MS" pitchFamily="34" charset="-128"/>
-              </a:rPr>
-              <a:t>Every exam can be linked with 0-many sections</a:t>
-            </a:r>
-          </a:p>
-          <a:p>
-            <a:pPr marL="285750" indent="-285750" fontAlgn="base">
-              <a:spcBef>
-                <a:spcPct val="50000"/>
-              </a:spcBef>
-              <a:spcAft>
-                <a:spcPct val="0"/>
-              </a:spcAft>
-              <a:buClr>
-                <a:srgbClr val="F0AB00"/>
-              </a:buClr>
-              <a:buSzPct val="80000"/>
-              <a:buFont typeface="Arial" pitchFamily="34" charset="0"/>
-              <a:buChar char="•"/>
-            </a:pPr>
-            <a:r>
-              <a:rPr lang="en-US" kern="0" dirty="0" smtClean="0">
-                <a:ea typeface="Arial Unicode MS" pitchFamily="34" charset="-128"/>
-                <a:cs typeface="Arial Unicode MS" pitchFamily="34" charset="-128"/>
-              </a:rPr>
-              <a:t>Each section can be linked with multiple questions</a:t>
-            </a:r>
-          </a:p>
-          <a:p>
-            <a:pPr marL="285750" indent="-285750" fontAlgn="base">
-              <a:spcBef>
-                <a:spcPct val="50000"/>
-              </a:spcBef>
-              <a:spcAft>
-                <a:spcPct val="0"/>
-              </a:spcAft>
-              <a:buClr>
-                <a:srgbClr val="F0AB00"/>
-              </a:buClr>
-              <a:buSzPct val="80000"/>
-              <a:buFont typeface="Arial" pitchFamily="34" charset="0"/>
-              <a:buChar char="•"/>
-            </a:pPr>
-            <a:r>
-              <a:rPr lang="en-US" dirty="0" smtClean="0"/>
-              <a:t>Each question associated to any given section will be associated with an answer</a:t>
-            </a:r>
-          </a:p>
-          <a:p>
-            <a:pPr marL="742950" lvl="1" indent="-285750" fontAlgn="base">
-              <a:spcBef>
-                <a:spcPct val="50000"/>
-              </a:spcBef>
-              <a:spcAft>
-                <a:spcPct val="0"/>
-              </a:spcAft>
-              <a:buClr>
-                <a:srgbClr val="F0AB00"/>
-              </a:buClr>
-              <a:buSzPct val="80000"/>
-              <a:buFont typeface="Arial" pitchFamily="34" charset="0"/>
-              <a:buChar char="•"/>
-            </a:pPr>
-            <a:r>
-              <a:rPr lang="en-US" dirty="0" smtClean="0"/>
-              <a:t>This means that the same question existing in 2 different section can have differing answers</a:t>
-            </a:r>
-            <a:r>
-              <a:rPr lang="en-US" dirty="0"/>
-              <a:t> </a:t>
-            </a:r>
-            <a:endParaRPr lang="en-US" kern="0" dirty="0" smtClean="0">
-              <a:ea typeface="Arial Unicode MS" pitchFamily="34" charset="-128"/>
-              <a:cs typeface="Arial Unicode MS" pitchFamily="34" charset="-128"/>
-            </a:endParaRPr>
-          </a:p>
-        </p:txBody>
-      </p:sp>
-      <p:pic>
-        <p:nvPicPr>
-          <p:cNvPr id="6" name="Picture 5"/>
-          <p:cNvPicPr>
-            <a:picLocks noChangeAspect="1"/>
-          </p:cNvPicPr>
-          <p:nvPr/>
-        </p:nvPicPr>
-        <p:blipFill>
-          <a:blip r:embed="rId3">
-            <a:extLst>
-              <a:ext uri="{28A0092B-C50C-407E-A947-70E740481C1C}">
-                <a14:useLocalDpi xmlns:a14="http://schemas.microsoft.com/office/drawing/2010/main" val="0"/>
-              </a:ext>
-            </a:extLst>
-          </a:blip>
-          <a:stretch>
-            <a:fillRect/>
-          </a:stretch>
-        </p:blipFill>
-        <p:spPr>
-          <a:xfrm>
-            <a:off x="367468" y="2418460"/>
-            <a:ext cx="3233919" cy="2615013"/>
-          </a:xfrm>
-          <a:prstGeom prst="rect">
-            <a:avLst/>
-          </a:prstGeom>
-        </p:spPr>
-      </p:pic>
-      <p:sp>
-        <p:nvSpPr>
-          <p:cNvPr id="7" name="TextBox 6"/>
-          <p:cNvSpPr txBox="1"/>
-          <p:nvPr/>
-        </p:nvSpPr>
-        <p:spPr>
-          <a:xfrm>
-            <a:off x="367468" y="5326949"/>
-            <a:ext cx="8152689" cy="1107996"/>
-          </a:xfrm>
-          <a:prstGeom prst="rect">
-            <a:avLst/>
-          </a:prstGeom>
-          <a:noFill/>
-        </p:spPr>
-        <p:txBody>
-          <a:bodyPr wrap="square" lIns="0" tIns="0" rIns="0" bIns="0" rtlCol="0">
-            <a:spAutoFit/>
-          </a:bodyPr>
-          <a:lstStyle/>
-          <a:p>
-            <a:pPr fontAlgn="base">
-              <a:spcBef>
-                <a:spcPct val="50000"/>
-              </a:spcBef>
-              <a:spcAft>
-                <a:spcPct val="0"/>
-              </a:spcAft>
-              <a:buClr>
-                <a:srgbClr val="F0AB00"/>
-              </a:buClr>
-              <a:buSzPct val="80000"/>
-            </a:pPr>
-            <a:r>
-              <a:rPr lang="en-US" sz="1800" kern="0" dirty="0" smtClean="0">
-                <a:ea typeface="Arial Unicode MS" pitchFamily="34" charset="-128"/>
-                <a:cs typeface="Arial Unicode MS" pitchFamily="34" charset="-128"/>
-              </a:rPr>
-              <a:t>Example:</a:t>
-            </a:r>
-          </a:p>
-          <a:p>
-            <a:pPr fontAlgn="base">
-              <a:spcBef>
-                <a:spcPct val="50000"/>
-              </a:spcBef>
-              <a:spcAft>
-                <a:spcPct val="0"/>
-              </a:spcAft>
-              <a:buClr>
-                <a:srgbClr val="F0AB00"/>
-              </a:buClr>
-              <a:buSzPct val="80000"/>
-            </a:pPr>
-            <a:r>
-              <a:rPr lang="en-US" kern="0" dirty="0" smtClean="0">
-                <a:ea typeface="Arial Unicode MS" pitchFamily="34" charset="-128"/>
-                <a:cs typeface="Arial Unicode MS" pitchFamily="34" charset="-128"/>
-              </a:rPr>
-              <a:t>Question: Is this absence of color black or white?</a:t>
-            </a:r>
-          </a:p>
-          <a:p>
-            <a:pPr fontAlgn="base">
-              <a:spcBef>
-                <a:spcPct val="50000"/>
-              </a:spcBef>
-              <a:spcAft>
-                <a:spcPct val="0"/>
-              </a:spcAft>
-              <a:buClr>
-                <a:srgbClr val="F0AB00"/>
-              </a:buClr>
-              <a:buSzPct val="80000"/>
-            </a:pPr>
-            <a:r>
-              <a:rPr lang="en-US" kern="0" dirty="0" smtClean="0">
-                <a:ea typeface="Arial Unicode MS" pitchFamily="34" charset="-128"/>
-                <a:cs typeface="Arial Unicode MS" pitchFamily="34" charset="-128"/>
-              </a:rPr>
-              <a:t>The answer would depend on the section; if physics, black, if art, white</a:t>
-            </a:r>
-            <a:endParaRPr lang="en-US" sz="1800" kern="0" dirty="0" smtClean="0">
-              <a:ea typeface="Arial Unicode MS" pitchFamily="34" charset="-128"/>
-              <a:cs typeface="Arial Unicode MS" pitchFamily="34" charset="-128"/>
-            </a:endParaRPr>
-          </a:p>
-        </p:txBody>
-      </p:sp>
-    </p:spTree>
-    <p:extLst>
-      <p:ext uri="{BB962C8B-B14F-4D97-AF65-F5344CB8AC3E}">
-        <p14:creationId xmlns:p14="http://schemas.microsoft.com/office/powerpoint/2010/main" val="3553402837"/>
-      </p:ext>
-    </p:extLst>
-  </p:cSld>
-  <p:clrMapOvr>
-    <a:masterClrMapping/>
-  </p:clrMapOvr>
-  <p:transition spd="med"/>
-  <p:timing>
-    <p:tnLst>
-      <p:par>
-        <p:cTn id="1" dur="indefinite" restart="never" nodeType="tmRoot"/>
-      </p:par>
-    </p:tnLst>
-  </p:timing>
-</p:sld>
-</file>
-
-<file path=ppt/slides/slide9.xml><?xml version="1.0" encoding="utf-8"?>
-<p:sld xmlns:a="http://schemas.openxmlformats.org/drawingml/2006/main" xmlns:r="http://schemas.openxmlformats.org/officeDocument/2006/relationships" xmlns:p="http://schemas.openxmlformats.org/presentationml/2006/main">
-  <p:cSld>
-    <p:spTree>
-      <p:nvGrpSpPr>
-        <p:cNvPr id="1" name=""/>
-        <p:cNvGrpSpPr/>
-        <p:nvPr/>
-      </p:nvGrpSpPr>
-      <p:grpSpPr>
-        <a:xfrm>
-          <a:off x="0" y="0"/>
-          <a:ext cx="0" cy="0"/>
-          <a:chOff x="0" y="0"/>
-          <a:chExt cx="0" cy="0"/>
-        </a:xfrm>
-      </p:grpSpPr>
-      <p:sp>
-        <p:nvSpPr>
-          <p:cNvPr id="2" name="Title 1"/>
-          <p:cNvSpPr>
-            <a:spLocks noGrp="1"/>
-          </p:cNvSpPr>
-          <p:nvPr>
-            <p:ph type="title"/>
-          </p:nvPr>
-        </p:nvSpPr>
-        <p:spPr/>
-        <p:txBody>
-          <a:bodyPr/>
-          <a:lstStyle/>
-          <a:p>
-            <a:r>
               <a:rPr lang="en-US" dirty="0" smtClean="0"/>
               <a:t>The Managers</a:t>
             </a:r>
@@ -11340,6 +10469,429 @@
     <p:extLst>
       <p:ext uri="{BB962C8B-B14F-4D97-AF65-F5344CB8AC3E}">
         <p14:creationId xmlns:p14="http://schemas.microsoft.com/office/powerpoint/2010/main" val="3442243570"/>
+      </p:ext>
+    </p:extLst>
+  </p:cSld>
+  <p:clrMapOvr>
+    <a:masterClrMapping/>
+  </p:clrMapOvr>
+  <p:transition spd="med"/>
+  <p:timing>
+    <p:tnLst>
+      <p:par>
+        <p:cTn id="1" dur="indefinite" restart="never" nodeType="tmRoot"/>
+      </p:par>
+    </p:tnLst>
+  </p:timing>
+</p:sld>
+</file>
+
+<file path=ppt/slides/slide9.xml><?xml version="1.0" encoding="utf-8"?>
+<p:sld xmlns:a="http://schemas.openxmlformats.org/drawingml/2006/main" xmlns:r="http://schemas.openxmlformats.org/officeDocument/2006/relationships" xmlns:p="http://schemas.openxmlformats.org/presentationml/2006/main">
+  <p:cSld>
+    <p:spTree>
+      <p:nvGrpSpPr>
+        <p:cNvPr id="1" name=""/>
+        <p:cNvGrpSpPr/>
+        <p:nvPr/>
+      </p:nvGrpSpPr>
+      <p:grpSpPr>
+        <a:xfrm>
+          <a:off x="0" y="0"/>
+          <a:ext cx="0" cy="0"/>
+          <a:chOff x="0" y="0"/>
+          <a:chExt cx="0" cy="0"/>
+        </a:xfrm>
+      </p:grpSpPr>
+      <p:sp>
+        <p:nvSpPr>
+          <p:cNvPr id="2" name="Title 1"/>
+          <p:cNvSpPr>
+            <a:spLocks noGrp="1"/>
+          </p:cNvSpPr>
+          <p:nvPr>
+            <p:ph type="title"/>
+          </p:nvPr>
+        </p:nvSpPr>
+        <p:spPr/>
+        <p:txBody>
+          <a:bodyPr/>
+          <a:lstStyle/>
+          <a:p>
+            <a:r>
+              <a:rPr lang="en-US" dirty="0" smtClean="0"/>
+              <a:t>Big Edits</a:t>
+            </a:r>
+            <a:endParaRPr lang="en-US" sz="2000" b="0" dirty="0"/>
+          </a:p>
+        </p:txBody>
+      </p:sp>
+      <p:sp>
+        <p:nvSpPr>
+          <p:cNvPr id="3" name="Text Placeholder 2"/>
+          <p:cNvSpPr>
+            <a:spLocks noGrp="1"/>
+          </p:cNvSpPr>
+          <p:nvPr>
+            <p:ph type="body" sz="quarter" idx="10"/>
+          </p:nvPr>
+        </p:nvSpPr>
+        <p:spPr>
+          <a:xfrm>
+            <a:off x="324000" y="1690687"/>
+            <a:ext cx="8461077" cy="958509"/>
+          </a:xfrm>
+        </p:spPr>
+        <p:txBody>
+          <a:bodyPr/>
+          <a:lstStyle/>
+          <a:p>
+            <a:pPr lvl="0"/>
+            <a:r>
+              <a:rPr lang="en-US" dirty="0" smtClean="0"/>
+              <a:t>If you require to do an a larger edit to a particular question/answer, you can the actual editor panel to so.</a:t>
+            </a:r>
+          </a:p>
+        </p:txBody>
+      </p:sp>
+      <p:sp>
+        <p:nvSpPr>
+          <p:cNvPr id="14" name="TextBox 13"/>
+          <p:cNvSpPr txBox="1"/>
+          <p:nvPr/>
+        </p:nvSpPr>
+        <p:spPr>
+          <a:xfrm>
+            <a:off x="4930924" y="2492334"/>
+            <a:ext cx="3136306" cy="1800493"/>
+          </a:xfrm>
+          <a:prstGeom prst="rect">
+            <a:avLst/>
+          </a:prstGeom>
+          <a:noFill/>
+        </p:spPr>
+        <p:txBody>
+          <a:bodyPr wrap="square" lIns="0" tIns="0" rIns="0" bIns="0" rtlCol="0">
+            <a:spAutoFit/>
+          </a:bodyPr>
+          <a:lstStyle/>
+          <a:p>
+            <a:pPr marL="285750" indent="-285750" fontAlgn="base">
+              <a:spcBef>
+                <a:spcPct val="50000"/>
+              </a:spcBef>
+              <a:spcAft>
+                <a:spcPct val="0"/>
+              </a:spcAft>
+              <a:buClr>
+                <a:srgbClr val="F0AB00"/>
+              </a:buClr>
+              <a:buSzPct val="80000"/>
+              <a:buFont typeface="Arial" pitchFamily="34" charset="0"/>
+              <a:buChar char="•"/>
+            </a:pPr>
+            <a:r>
+              <a:rPr lang="en-US" kern="0" dirty="0" smtClean="0">
+                <a:ea typeface="Arial Unicode MS" pitchFamily="34" charset="-128"/>
+                <a:cs typeface="Arial Unicode MS" pitchFamily="34" charset="-128"/>
+              </a:rPr>
+              <a:t>Select the type of entity you wish to edit</a:t>
+            </a:r>
+          </a:p>
+          <a:p>
+            <a:pPr marL="285750" indent="-285750" fontAlgn="base">
+              <a:spcBef>
+                <a:spcPct val="50000"/>
+              </a:spcBef>
+              <a:spcAft>
+                <a:spcPct val="0"/>
+              </a:spcAft>
+              <a:buClr>
+                <a:srgbClr val="F0AB00"/>
+              </a:buClr>
+              <a:buSzPct val="80000"/>
+              <a:buFont typeface="Arial" pitchFamily="34" charset="0"/>
+              <a:buChar char="•"/>
+            </a:pPr>
+            <a:r>
+              <a:rPr lang="en-US" kern="0" dirty="0" smtClean="0">
+                <a:ea typeface="Arial Unicode MS" pitchFamily="34" charset="-128"/>
+                <a:cs typeface="Arial Unicode MS" pitchFamily="34" charset="-128"/>
+              </a:rPr>
+              <a:t>Select the actual entity</a:t>
+            </a:r>
+          </a:p>
+          <a:p>
+            <a:pPr marL="285750" indent="-285750" fontAlgn="base">
+              <a:spcBef>
+                <a:spcPct val="50000"/>
+              </a:spcBef>
+              <a:spcAft>
+                <a:spcPct val="0"/>
+              </a:spcAft>
+              <a:buClr>
+                <a:srgbClr val="F0AB00"/>
+              </a:buClr>
+              <a:buSzPct val="80000"/>
+              <a:buFont typeface="Arial" pitchFamily="34" charset="0"/>
+              <a:buChar char="•"/>
+            </a:pPr>
+            <a:r>
+              <a:rPr lang="en-US" kern="0" dirty="0" smtClean="0">
+                <a:ea typeface="Arial Unicode MS" pitchFamily="34" charset="-128"/>
+                <a:cs typeface="Arial Unicode MS" pitchFamily="34" charset="-128"/>
+              </a:rPr>
+              <a:t>Edit away</a:t>
+            </a:r>
+          </a:p>
+          <a:p>
+            <a:pPr marL="285750" indent="-285750" fontAlgn="base">
+              <a:spcBef>
+                <a:spcPct val="50000"/>
+              </a:spcBef>
+              <a:spcAft>
+                <a:spcPct val="0"/>
+              </a:spcAft>
+              <a:buClr>
+                <a:srgbClr val="F0AB00"/>
+              </a:buClr>
+              <a:buSzPct val="80000"/>
+              <a:buFont typeface="Arial" pitchFamily="34" charset="0"/>
+              <a:buChar char="•"/>
+            </a:pPr>
+            <a:endParaRPr lang="en-US" kern="0" dirty="0" smtClean="0">
+              <a:ea typeface="Arial Unicode MS" pitchFamily="34" charset="-128"/>
+              <a:cs typeface="Arial Unicode MS" pitchFamily="34" charset="-128"/>
+            </a:endParaRPr>
+          </a:p>
+        </p:txBody>
+      </p:sp>
+      <p:pic>
+        <p:nvPicPr>
+          <p:cNvPr id="5" name="Picture 4"/>
+          <p:cNvPicPr>
+            <a:picLocks noChangeAspect="1"/>
+          </p:cNvPicPr>
+          <p:nvPr/>
+        </p:nvPicPr>
+        <p:blipFill>
+          <a:blip r:embed="rId3">
+            <a:extLst>
+              <a:ext uri="{28A0092B-C50C-407E-A947-70E740481C1C}">
+                <a14:useLocalDpi xmlns:a14="http://schemas.microsoft.com/office/drawing/2010/main" val="0"/>
+              </a:ext>
+            </a:extLst>
+          </a:blip>
+          <a:stretch>
+            <a:fillRect/>
+          </a:stretch>
+        </p:blipFill>
+        <p:spPr>
+          <a:xfrm>
+            <a:off x="365403" y="2492334"/>
+            <a:ext cx="3787853" cy="1010993"/>
+          </a:xfrm>
+          <a:prstGeom prst="rect">
+            <a:avLst/>
+          </a:prstGeom>
+        </p:spPr>
+      </p:pic>
+      <p:sp>
+        <p:nvSpPr>
+          <p:cNvPr id="7" name="Left Arrow 6"/>
+          <p:cNvSpPr/>
+          <p:nvPr/>
+        </p:nvSpPr>
+        <p:spPr bwMode="gray">
+          <a:xfrm>
+            <a:off x="2623559" y="2845750"/>
+            <a:ext cx="743484" cy="213644"/>
+          </a:xfrm>
+          <a:prstGeom prst="leftArrow">
+            <a:avLst/>
+          </a:prstGeom>
+          <a:solidFill>
+            <a:schemeClr val="accent1"/>
+          </a:solidFill>
+          <a:ln w="6350" algn="ctr">
+            <a:noFill/>
+            <a:miter lim="800000"/>
+            <a:headEnd/>
+            <a:tailEnd/>
+          </a:ln>
+        </p:spPr>
+        <p:txBody>
+          <a:bodyPr lIns="90000" tIns="72000" rIns="90000" bIns="72000" rtlCol="0" anchor="ctr"/>
+          <a:lstStyle/>
+          <a:p>
+            <a:pPr marR="0" algn="ctr" defTabSz="914400" eaLnBrk="1" fontAlgn="base" latinLnBrk="0" hangingPunct="1">
+              <a:lnSpc>
+                <a:spcPct val="100000"/>
+              </a:lnSpc>
+              <a:spcBef>
+                <a:spcPct val="50000"/>
+              </a:spcBef>
+              <a:spcAft>
+                <a:spcPct val="0"/>
+              </a:spcAft>
+              <a:buClr>
+                <a:srgbClr val="F0AB00"/>
+              </a:buClr>
+              <a:buSzPct val="80000"/>
+              <a:tabLst/>
+            </a:pPr>
+            <a:endParaRPr kumimoji="0" lang="en-US" b="0" i="0" u="none" strike="noStrike" kern="0" cap="none" spc="0" normalizeH="0" baseline="0" noProof="0" dirty="0" smtClean="0">
+              <a:ln>
+                <a:noFill/>
+              </a:ln>
+              <a:effectLst/>
+              <a:uLnTx/>
+              <a:uFillTx/>
+              <a:ea typeface="Arial Unicode MS" pitchFamily="34" charset="-128"/>
+              <a:cs typeface="Arial Unicode MS" pitchFamily="34" charset="-128"/>
+            </a:endParaRPr>
+          </a:p>
+        </p:txBody>
+      </p:sp>
+      <p:pic>
+        <p:nvPicPr>
+          <p:cNvPr id="8" name="Picture 7"/>
+          <p:cNvPicPr>
+            <a:picLocks noChangeAspect="1"/>
+          </p:cNvPicPr>
+          <p:nvPr/>
+        </p:nvPicPr>
+        <p:blipFill>
+          <a:blip r:embed="rId4">
+            <a:extLst>
+              <a:ext uri="{28A0092B-C50C-407E-A947-70E740481C1C}">
+                <a14:useLocalDpi xmlns:a14="http://schemas.microsoft.com/office/drawing/2010/main" val="0"/>
+              </a:ext>
+            </a:extLst>
+          </a:blip>
+          <a:stretch>
+            <a:fillRect/>
+          </a:stretch>
+        </p:blipFill>
+        <p:spPr>
+          <a:xfrm>
+            <a:off x="365402" y="4130892"/>
+            <a:ext cx="2828389" cy="1874067"/>
+          </a:xfrm>
+          <a:prstGeom prst="rect">
+            <a:avLst/>
+          </a:prstGeom>
+        </p:spPr>
+      </p:pic>
+      <p:sp>
+        <p:nvSpPr>
+          <p:cNvPr id="9" name="Down Arrow 8"/>
+          <p:cNvSpPr/>
+          <p:nvPr/>
+        </p:nvSpPr>
+        <p:spPr bwMode="gray">
+          <a:xfrm>
+            <a:off x="1444239" y="3503327"/>
+            <a:ext cx="205099" cy="538834"/>
+          </a:xfrm>
+          <a:prstGeom prst="downArrow">
+            <a:avLst/>
+          </a:prstGeom>
+          <a:solidFill>
+            <a:schemeClr val="accent1"/>
+          </a:solidFill>
+          <a:ln w="6350" algn="ctr">
+            <a:noFill/>
+            <a:miter lim="800000"/>
+            <a:headEnd/>
+            <a:tailEnd/>
+          </a:ln>
+        </p:spPr>
+        <p:txBody>
+          <a:bodyPr lIns="90000" tIns="72000" rIns="90000" bIns="72000" rtlCol="0" anchor="ctr"/>
+          <a:lstStyle/>
+          <a:p>
+            <a:pPr marR="0" algn="ctr" defTabSz="914400" eaLnBrk="1" fontAlgn="base" latinLnBrk="0" hangingPunct="1">
+              <a:lnSpc>
+                <a:spcPct val="100000"/>
+              </a:lnSpc>
+              <a:spcBef>
+                <a:spcPct val="50000"/>
+              </a:spcBef>
+              <a:spcAft>
+                <a:spcPct val="0"/>
+              </a:spcAft>
+              <a:buClr>
+                <a:srgbClr val="F0AB00"/>
+              </a:buClr>
+              <a:buSzPct val="80000"/>
+              <a:tabLst/>
+            </a:pPr>
+            <a:endParaRPr kumimoji="0" lang="en-US" b="0" i="0" u="none" strike="noStrike" kern="0" cap="none" spc="0" normalizeH="0" baseline="0" noProof="0" dirty="0" smtClean="0">
+              <a:ln>
+                <a:noFill/>
+              </a:ln>
+              <a:effectLst/>
+              <a:uLnTx/>
+              <a:uFillTx/>
+              <a:ea typeface="Arial Unicode MS" pitchFamily="34" charset="-128"/>
+              <a:cs typeface="Arial Unicode MS" pitchFamily="34" charset="-128"/>
+            </a:endParaRPr>
+          </a:p>
+        </p:txBody>
+      </p:sp>
+      <p:sp>
+        <p:nvSpPr>
+          <p:cNvPr id="10" name="TextBox 9"/>
+          <p:cNvSpPr txBox="1"/>
+          <p:nvPr/>
+        </p:nvSpPr>
+        <p:spPr>
+          <a:xfrm>
+            <a:off x="3529413" y="4836920"/>
+            <a:ext cx="4973652" cy="830997"/>
+          </a:xfrm>
+          <a:prstGeom prst="rect">
+            <a:avLst/>
+          </a:prstGeom>
+          <a:noFill/>
+        </p:spPr>
+        <p:txBody>
+          <a:bodyPr wrap="square" lIns="0" tIns="0" rIns="0" bIns="0" rtlCol="0">
+            <a:spAutoFit/>
+          </a:bodyPr>
+          <a:lstStyle/>
+          <a:p>
+            <a:pPr fontAlgn="base">
+              <a:spcBef>
+                <a:spcPct val="50000"/>
+              </a:spcBef>
+              <a:spcAft>
+                <a:spcPct val="0"/>
+              </a:spcAft>
+              <a:buClr>
+                <a:srgbClr val="F0AB00"/>
+              </a:buClr>
+              <a:buSzPct val="80000"/>
+            </a:pPr>
+            <a:r>
+              <a:rPr lang="en-US" kern="0" dirty="0" smtClean="0">
+                <a:ea typeface="Arial Unicode MS" pitchFamily="34" charset="-128"/>
+                <a:cs typeface="Arial Unicode MS" pitchFamily="34" charset="-128"/>
+              </a:rPr>
+              <a:t>Note: this offers the same functionality as using the orange edit button; this simply give you a larger text area to type in.</a:t>
+            </a:r>
+            <a:endParaRPr lang="en-US" sz="1800" kern="0" dirty="0" smtClean="0">
+              <a:ea typeface="Arial Unicode MS" pitchFamily="34" charset="-128"/>
+              <a:cs typeface="Arial Unicode MS" pitchFamily="34" charset="-128"/>
+            </a:endParaRPr>
+          </a:p>
+        </p:txBody>
+      </p:sp>
+    </p:spTree>
+    <p:extLst>
+      <p:ext uri="{BB962C8B-B14F-4D97-AF65-F5344CB8AC3E}">
+        <p14:creationId xmlns:p14="http://schemas.microsoft.com/office/powerpoint/2010/main" val="2887033499"/>
       </p:ext>
     </p:extLst>
   </p:cSld>

--- a/The Exam System - User Guide.pptx
+++ b/The Exam System - User Guide.pptx
@@ -8385,48 +8385,6 @@
           </a:p>
         </p:txBody>
       </p:sp>
-      <p:sp>
-        <p:nvSpPr>
-          <p:cNvPr id="3" name="Text Placeholder 2"/>
-          <p:cNvSpPr>
-            <a:spLocks noGrp="1"/>
-          </p:cNvSpPr>
-          <p:nvPr>
-            <p:ph type="body" sz="quarter" idx="10"/>
-          </p:nvPr>
-        </p:nvSpPr>
-        <p:spPr/>
-        <p:txBody>
-          <a:bodyPr/>
-          <a:lstStyle/>
-          <a:p>
-            <a:r>
-              <a:rPr lang="en-US" dirty="0" smtClean="0"/>
-              <a:t>For more complete examples of what a context file should look like, as well as the actual XML </a:t>
-            </a:r>
-            <a:r>
-              <a:rPr lang="en-US" dirty="0" err="1" smtClean="0"/>
-              <a:t>Scema</a:t>
-            </a:r>
-            <a:r>
-              <a:rPr lang="en-US" dirty="0" smtClean="0"/>
-              <a:t>, please refer to this site:</a:t>
-            </a:r>
-          </a:p>
-          <a:p>
-            <a:endParaRPr lang="en-US" dirty="0"/>
-          </a:p>
-          <a:p>
-            <a:r>
-              <a:rPr lang="en-US" dirty="0">
-                <a:hlinkClick r:id="rId3"/>
-              </a:rPr>
-              <a:t>https://tdwiki.pgdev.sap.corp/display/GTLC/Context+File+Requirement</a:t>
-            </a:r>
-            <a:endParaRPr lang="en-US" dirty="0" smtClean="0"/>
-          </a:p>
-        </p:txBody>
-      </p:sp>
     </p:spTree>
   </p:cSld>
   <p:clrMapOvr>
@@ -8707,19 +8665,7 @@
           <a:p>
             <a:r>
               <a:rPr lang="en-US" dirty="0"/>
-              <a:t>http://&lt;IP Address of Server</a:t>
-            </a:r>
-            <a:r>
-              <a:rPr lang="en-US" dirty="0" smtClean="0"/>
-              <a:t>&gt;/</a:t>
-            </a:r>
-            <a:r>
-              <a:rPr lang="en-US" dirty="0" err="1" smtClean="0"/>
-              <a:t>exam_system</a:t>
-            </a:r>
-            <a:r>
-              <a:rPr lang="en-US" dirty="0" smtClean="0"/>
-              <a:t>/</a:t>
+              <a:t>http://10.165.30.38/exam_system/</a:t>
             </a:r>
             <a:endParaRPr lang="en-US" dirty="0"/>
           </a:p>
@@ -9078,21 +9024,14 @@
           </a:p>
           <a:p>
             <a:r>
+              <a:rPr lang="en-US" dirty="0"/>
+              <a:t>http://</a:t>
+            </a:r>
+            <a:r>
               <a:rPr lang="en-US" dirty="0" smtClean="0"/>
-              <a:t>http://&lt;IP Address of Server&gt;/</a:t>
-            </a:r>
-            <a:r>
-              <a:rPr lang="en-US" dirty="0" err="1" smtClean="0"/>
-              <a:t>exam_system</a:t>
-            </a:r>
-            <a:r>
-              <a:rPr lang="en-US" dirty="0" smtClean="0"/>
-              <a:t>/admin</a:t>
-            </a:r>
-            <a:r>
-              <a:rPr lang="en-US" dirty="0"/>
-              <a:t>/</a:t>
-            </a:r>
+              <a:t>10.165.30.38/exam_system/admin/</a:t>
+            </a:r>
+            <a:endParaRPr lang="en-US" dirty="0"/>
           </a:p>
         </p:txBody>
       </p:sp>

--- a/The Exam System - User Guide.pptx
+++ b/The Exam System - User Guide.pptx
@@ -8667,7 +8667,6 @@
               <a:rPr lang="en-US" dirty="0"/>
               <a:t>http://10.165.30.38/exam_system/</a:t>
             </a:r>
-            <a:endParaRPr lang="en-US" dirty="0"/>
           </a:p>
         </p:txBody>
       </p:sp>
@@ -10296,7 +10295,21 @@
                 <a:ea typeface="Arial Unicode MS" pitchFamily="34" charset="-128"/>
                 <a:cs typeface="Arial Unicode MS" pitchFamily="34" charset="-128"/>
               </a:rPr>
-              <a:t>The managers give you a way to associated the created pools of entities to one another (as shown in the previous slide)</a:t>
+              <a:t>The managers give you a way to </a:t>
+            </a:r>
+            <a:r>
+              <a:rPr lang="en-US" kern="0" dirty="0" smtClean="0">
+                <a:ea typeface="Arial Unicode MS" pitchFamily="34" charset="-128"/>
+                <a:cs typeface="Arial Unicode MS" pitchFamily="34" charset="-128"/>
+              </a:rPr>
+              <a:t>associate </a:t>
+            </a:r>
+            <a:r>
+              <a:rPr lang="en-US" kern="0" dirty="0" smtClean="0">
+                <a:ea typeface="Arial Unicode MS" pitchFamily="34" charset="-128"/>
+                <a:cs typeface="Arial Unicode MS" pitchFamily="34" charset="-128"/>
+              </a:rPr>
+              <a:t>the created pools of entities to one another (as shown in the previous slide)</a:t>
             </a:r>
           </a:p>
           <a:p>
